--- a/Documents/CoronaTracker.pptx
+++ b/Documents/CoronaTracker.pptx
@@ -9,12 +9,16 @@
     <p:sldId id="257" r:id="rId3"/>
     <p:sldId id="263" r:id="rId4"/>
     <p:sldId id="258" r:id="rId5"/>
-    <p:sldId id="262" r:id="rId6"/>
-    <p:sldId id="265" r:id="rId7"/>
-    <p:sldId id="264" r:id="rId8"/>
-    <p:sldId id="259" r:id="rId9"/>
-    <p:sldId id="260" r:id="rId10"/>
-    <p:sldId id="261" r:id="rId11"/>
+    <p:sldId id="267" r:id="rId6"/>
+    <p:sldId id="264" r:id="rId7"/>
+    <p:sldId id="266" r:id="rId8"/>
+    <p:sldId id="268" r:id="rId9"/>
+    <p:sldId id="271" r:id="rId10"/>
+    <p:sldId id="272" r:id="rId11"/>
+    <p:sldId id="273" r:id="rId12"/>
+    <p:sldId id="259" r:id="rId13"/>
+    <p:sldId id="269" r:id="rId14"/>
+    <p:sldId id="270" r:id="rId15"/>
   </p:sldIdLst>
   <p:sldSz cx="12192000" cy="6858000"/>
   <p:notesSz cx="6858000" cy="9144000"/>
@@ -839,7 +843,7 @@
             <a:fld id="{B61BEF0D-F0BB-DE4B-95CE-6DB70DBA9567}" type="datetimeFigureOut">
               <a:rPr lang="en-US" dirty="0"/>
               <a:pPr/>
-              <a:t>1/24/2022</a:t>
+              <a:t>2022-01-28</a:t>
             </a:fld>
             <a:endParaRPr lang="en-US" dirty="0"/>
           </a:p>
@@ -1087,7 +1091,7 @@
             <a:fld id="{B61BEF0D-F0BB-DE4B-95CE-6DB70DBA9567}" type="datetimeFigureOut">
               <a:rPr lang="en-US" dirty="0"/>
               <a:pPr/>
-              <a:t>1/24/2022</a:t>
+              <a:t>2022-01-28</a:t>
             </a:fld>
             <a:endParaRPr lang="en-US" dirty="0"/>
           </a:p>
@@ -1398,7 +1402,7 @@
             <a:fld id="{B61BEF0D-F0BB-DE4B-95CE-6DB70DBA9567}" type="datetimeFigureOut">
               <a:rPr lang="en-US" dirty="0"/>
               <a:pPr/>
-              <a:t>1/24/2022</a:t>
+              <a:t>2022-01-28</a:t>
             </a:fld>
             <a:endParaRPr lang="en-US" dirty="0"/>
           </a:p>
@@ -1736,7 +1740,7 @@
             <a:fld id="{B61BEF0D-F0BB-DE4B-95CE-6DB70DBA9567}" type="datetimeFigureOut">
               <a:rPr lang="en-US" dirty="0"/>
               <a:pPr/>
-              <a:t>1/24/2022</a:t>
+              <a:t>2022-01-28</a:t>
             </a:fld>
             <a:endParaRPr lang="en-US" dirty="0"/>
           </a:p>
@@ -2047,7 +2051,7 @@
             <a:fld id="{B61BEF0D-F0BB-DE4B-95CE-6DB70DBA9567}" type="datetimeFigureOut">
               <a:rPr lang="en-US" dirty="0"/>
               <a:pPr/>
-              <a:t>1/24/2022</a:t>
+              <a:t>2022-01-28</a:t>
             </a:fld>
             <a:endParaRPr lang="en-US" dirty="0"/>
           </a:p>
@@ -2437,7 +2441,7 @@
             <a:fld id="{B61BEF0D-F0BB-DE4B-95CE-6DB70DBA9567}" type="datetimeFigureOut">
               <a:rPr lang="en-US" dirty="0"/>
               <a:pPr/>
-              <a:t>1/24/2022</a:t>
+              <a:t>2022-01-28</a:t>
             </a:fld>
             <a:endParaRPr lang="en-US" dirty="0"/>
           </a:p>
@@ -2603,7 +2607,8 @@
           <a:p>
             <a:fld id="{55C6B4A9-1611-4792-9094-5F34BCA07E0B}" type="datetimeFigureOut">
               <a:rPr lang="en-US" dirty="0"/>
-              <a:t>1/24/2022</a:t>
+              <a:pPr/>
+              <a:t>2022-01-28</a:t>
             </a:fld>
             <a:endParaRPr lang="en-US" dirty="0"/>
           </a:p>
@@ -2645,6 +2650,7 @@
           <a:p>
             <a:fld id="{89333C77-0158-454C-844F-B7AB9BD7DAD4}" type="slidenum">
               <a:rPr lang="en-US" dirty="0"/>
+              <a:pPr/>
               <a:t>‹#›</a:t>
             </a:fld>
             <a:endParaRPr lang="en-US" dirty="0"/>
@@ -2779,7 +2785,7 @@
             <a:fld id="{B61BEF0D-F0BB-DE4B-95CE-6DB70DBA9567}" type="datetimeFigureOut">
               <a:rPr lang="en-US" dirty="0"/>
               <a:pPr/>
-              <a:t>1/24/2022</a:t>
+              <a:t>2022-01-28</a:t>
             </a:fld>
             <a:endParaRPr lang="en-US" dirty="0"/>
           </a:p>
@@ -2952,7 +2958,7 @@
             <a:fld id="{B61BEF0D-F0BB-DE4B-95CE-6DB70DBA9567}" type="datetimeFigureOut">
               <a:rPr lang="en-US" dirty="0"/>
               <a:pPr/>
-              <a:t>1/24/2022</a:t>
+              <a:t>2022-01-28</a:t>
             </a:fld>
             <a:endParaRPr lang="en-US" dirty="0"/>
           </a:p>
@@ -3196,7 +3202,7 @@
             <a:fld id="{B61BEF0D-F0BB-DE4B-95CE-6DB70DBA9567}" type="datetimeFigureOut">
               <a:rPr lang="en-US" dirty="0"/>
               <a:pPr/>
-              <a:t>1/24/2022</a:t>
+              <a:t>2022-01-28</a:t>
             </a:fld>
             <a:endParaRPr lang="en-US" dirty="0"/>
           </a:p>
@@ -3424,7 +3430,8 @@
           <a:p>
             <a:fld id="{EB712588-04B1-427B-82EE-E8DB90309F08}" type="datetimeFigureOut">
               <a:rPr lang="en-US" dirty="0"/>
-              <a:t>1/24/2022</a:t>
+              <a:pPr/>
+              <a:t>2022-01-28</a:t>
             </a:fld>
             <a:endParaRPr lang="en-US" dirty="0"/>
           </a:p>
@@ -3466,6 +3473,7 @@
           <a:p>
             <a:fld id="{6FF9F0C5-380F-41C2-899A-BAC0F0927E16}" type="slidenum">
               <a:rPr lang="en-US" dirty="0"/>
+              <a:pPr/>
               <a:t>‹#›</a:t>
             </a:fld>
             <a:endParaRPr lang="en-US" dirty="0"/>
@@ -3794,7 +3802,7 @@
             <a:fld id="{B61BEF0D-F0BB-DE4B-95CE-6DB70DBA9567}" type="datetimeFigureOut">
               <a:rPr lang="en-US" dirty="0"/>
               <a:pPr/>
-              <a:t>1/24/2022</a:t>
+              <a:t>2022-01-28</a:t>
             </a:fld>
             <a:endParaRPr lang="en-US" dirty="0"/>
           </a:p>
@@ -3914,7 +3922,7 @@
             <a:fld id="{B61BEF0D-F0BB-DE4B-95CE-6DB70DBA9567}" type="datetimeFigureOut">
               <a:rPr lang="en-US" dirty="0"/>
               <a:pPr/>
-              <a:t>1/24/2022</a:t>
+              <a:t>2022-01-28</a:t>
             </a:fld>
             <a:endParaRPr lang="en-US" dirty="0"/>
           </a:p>
@@ -4006,7 +4014,7 @@
             <a:fld id="{B61BEF0D-F0BB-DE4B-95CE-6DB70DBA9567}" type="datetimeFigureOut">
               <a:rPr lang="en-US" dirty="0"/>
               <a:pPr/>
-              <a:t>1/24/2022</a:t>
+              <a:t>2022-01-28</a:t>
             </a:fld>
             <a:endParaRPr lang="en-US" dirty="0"/>
           </a:p>
@@ -4257,7 +4265,8 @@
           <a:p>
             <a:fld id="{42A54C80-263E-416B-A8E0-580EDEADCBDC}" type="datetimeFigureOut">
               <a:rPr lang="en-US" dirty="0"/>
-              <a:t>1/24/2022</a:t>
+              <a:pPr/>
+              <a:t>2022-01-28</a:t>
             </a:fld>
             <a:endParaRPr lang="en-US" dirty="0"/>
           </a:p>
@@ -4299,6 +4308,7 @@
           <a:p>
             <a:fld id="{519954A3-9DFD-4C44-94BA-B95130A3BA1C}" type="slidenum">
               <a:rPr lang="en-US" dirty="0"/>
+              <a:pPr/>
               <a:t>‹#›</a:t>
             </a:fld>
             <a:endParaRPr lang="en-US" dirty="0"/>
@@ -4516,7 +4526,7 @@
             <a:fld id="{B61BEF0D-F0BB-DE4B-95CE-6DB70DBA9567}" type="datetimeFigureOut">
               <a:rPr lang="en-US" dirty="0"/>
               <a:pPr/>
-              <a:t>1/24/2022</a:t>
+              <a:t>2022-01-28</a:t>
             </a:fld>
             <a:endParaRPr lang="en-US" dirty="0"/>
           </a:p>
@@ -5256,7 +5266,7 @@
             <a:fld id="{B61BEF0D-F0BB-DE4B-95CE-6DB70DBA9567}" type="datetimeFigureOut">
               <a:rPr lang="en-US" dirty="0"/>
               <a:pPr/>
-              <a:t>1/24/2022</a:t>
+              <a:t>2022-01-28</a:t>
             </a:fld>
             <a:endParaRPr lang="en-US" dirty="0"/>
           </a:p>
@@ -5822,16 +5832,47 @@
           </a:p>
         </p:txBody>
       </p:sp>
+      <p:pic>
+        <p:nvPicPr>
+          <p:cNvPr id="4" name="Obrázek 3" descr="coronavirus.png"/>
+          <p:cNvPicPr>
+            <a:picLocks noChangeAspect="1"/>
+          </p:cNvPicPr>
+          <p:nvPr/>
+        </p:nvPicPr>
+        <p:blipFill>
+          <a:blip r:embed="rId2"/>
+          <a:stretch>
+            <a:fillRect/>
+          </a:stretch>
+        </p:blipFill>
+        <p:spPr>
+          <a:xfrm>
+            <a:off x="1672281" y="2366319"/>
+            <a:ext cx="2438400" cy="2438400"/>
+          </a:xfrm>
+          <a:prstGeom prst="rect">
+            <a:avLst/>
+          </a:prstGeom>
+        </p:spPr>
+      </p:pic>
     </p:spTree>
     <p:extLst>
       <p:ext uri="{BB962C8B-B14F-4D97-AF65-F5344CB8AC3E}">
-        <p14:creationId xmlns:p14="http://schemas.microsoft.com/office/powerpoint/2010/main" val="365546243"/>
+        <p14:creationId xmlns:p14="http://schemas.microsoft.com/office/powerpoint/2010/main" xmlns="" val="365546243"/>
       </p:ext>
     </p:extLst>
   </p:cSld>
   <p:clrMapOvr>
     <a:masterClrMapping/>
   </p:clrMapOvr>
+  <p:timing>
+    <p:tnLst>
+      <p:par>
+        <p:cTn id="1" dur="indefinite" restart="never" nodeType="tmRoot"/>
+      </p:par>
+    </p:tnLst>
+  </p:timing>
 </p:sld>
 </file>
 
@@ -5862,30 +5903,716 @@
             <p:ph type="title"/>
           </p:nvPr>
         </p:nvSpPr>
+        <p:spPr/>
+        <p:txBody>
+          <a:bodyPr/>
+          <a:lstStyle/>
+          <a:p>
+            <a:r>
+              <a:rPr lang="cs-CZ" dirty="0" smtClean="0"/>
+              <a:t>Snímky z aplikace</a:t>
+            </a:r>
+            <a:endParaRPr lang="en-US" dirty="0"/>
+          </a:p>
+        </p:txBody>
+      </p:sp>
+      <p:pic>
+        <p:nvPicPr>
+          <p:cNvPr id="5" name="Zástupný symbol pro obrázek 4" descr="final_final_db.png"/>
+          <p:cNvPicPr>
+            <a:picLocks noGrp="1" noChangeAspect="1"/>
+          </p:cNvPicPr>
+          <p:nvPr>
+            <p:ph type="pic" idx="1"/>
+          </p:nvPr>
+        </p:nvPicPr>
+        <p:blipFill>
+          <a:blip r:embed="rId2"/>
+          <a:stretch>
+            <a:fillRect/>
+          </a:stretch>
+        </p:blipFill>
         <p:spPr>
           <a:xfrm>
-            <a:off x="710285" y="2800864"/>
-            <a:ext cx="8596668" cy="1320800"/>
+            <a:off x="2242524" y="1003843"/>
+            <a:ext cx="5159099" cy="3526968"/>
           </a:xfrm>
+          <a:prstGeom prst="rect">
+            <a:avLst/>
+          </a:prstGeom>
+          <a:noFill/>
+          <a:ln>
+            <a:noFill/>
+          </a:ln>
         </p:spPr>
+      </p:pic>
+      <p:sp>
+        <p:nvSpPr>
+          <p:cNvPr id="4" name="Zástupný symbol pro text 3"/>
+          <p:cNvSpPr>
+            <a:spLocks noGrp="1"/>
+          </p:cNvSpPr>
+          <p:nvPr>
+            <p:ph type="body" sz="half" idx="2"/>
+          </p:nvPr>
+        </p:nvSpPr>
+        <p:spPr/>
         <p:txBody>
           <a:bodyPr/>
           <a:lstStyle/>
           <a:p>
             <a:r>
               <a:rPr lang="cs-CZ" dirty="0" smtClean="0"/>
-              <a:t>Děkuji za pozornost</a:t>
+              <a:t>Rozvržení ER diagramu databáze</a:t>
+            </a:r>
+            <a:endParaRPr lang="en-US" dirty="0"/>
+          </a:p>
+        </p:txBody>
+      </p:sp>
+    </p:spTree>
+  </p:cSld>
+  <p:clrMapOvr>
+    <a:masterClrMapping/>
+  </p:clrMapOvr>
+</p:sld>
+</file>
+
+<file path=ppt/slides/slide11.xml><?xml version="1.0" encoding="utf-8"?>
+<p:sld xmlns:a="http://schemas.openxmlformats.org/drawingml/2006/main" xmlns:r="http://schemas.openxmlformats.org/officeDocument/2006/relationships" xmlns:p="http://schemas.openxmlformats.org/presentationml/2006/main">
+  <p:cSld>
+    <p:spTree>
+      <p:nvGrpSpPr>
+        <p:cNvPr id="1" name=""/>
+        <p:cNvGrpSpPr/>
+        <p:nvPr/>
+      </p:nvGrpSpPr>
+      <p:grpSpPr>
+        <a:xfrm>
+          <a:off x="0" y="0"/>
+          <a:ext cx="0" cy="0"/>
+          <a:chOff x="0" y="0"/>
+          <a:chExt cx="0" cy="0"/>
+        </a:xfrm>
+      </p:grpSpPr>
+      <p:sp>
+        <p:nvSpPr>
+          <p:cNvPr id="2" name="Nadpis 1"/>
+          <p:cNvSpPr>
+            <a:spLocks noGrp="1"/>
+          </p:cNvSpPr>
+          <p:nvPr>
+            <p:ph type="title"/>
+          </p:nvPr>
+        </p:nvSpPr>
+        <p:spPr/>
+        <p:txBody>
+          <a:bodyPr/>
+          <a:lstStyle/>
+          <a:p>
+            <a:r>
+              <a:rPr lang="cs-CZ" dirty="0" smtClean="0"/>
+              <a:t>Snímky z aplikace</a:t>
+            </a:r>
+            <a:endParaRPr lang="en-US" dirty="0"/>
+          </a:p>
+        </p:txBody>
+      </p:sp>
+      <p:pic>
+        <p:nvPicPr>
+          <p:cNvPr id="5" name="Zástupný symbol pro obrázek 4" descr="report.png"/>
+          <p:cNvPicPr>
+            <a:picLocks noGrp="1" noChangeAspect="1"/>
+          </p:cNvPicPr>
+          <p:nvPr>
+            <p:ph type="pic" idx="1"/>
+          </p:nvPr>
+        </p:nvPicPr>
+        <p:blipFill>
+          <a:blip r:embed="rId2"/>
+          <a:stretch>
+            <a:fillRect/>
+          </a:stretch>
+        </p:blipFill>
+        <p:spPr>
+          <a:xfrm>
+            <a:off x="2703843" y="1020425"/>
+            <a:ext cx="4306556" cy="3287939"/>
+          </a:xfrm>
+          <a:prstGeom prst="rect">
+            <a:avLst/>
+          </a:prstGeom>
+          <a:noFill/>
+          <a:ln>
+            <a:noFill/>
+          </a:ln>
+        </p:spPr>
+      </p:pic>
+      <p:sp>
+        <p:nvSpPr>
+          <p:cNvPr id="4" name="Zástupný symbol pro text 3"/>
+          <p:cNvSpPr>
+            <a:spLocks noGrp="1"/>
+          </p:cNvSpPr>
+          <p:nvPr>
+            <p:ph type="body" sz="half" idx="2"/>
+          </p:nvPr>
+        </p:nvSpPr>
+        <p:spPr/>
+        <p:txBody>
+          <a:bodyPr/>
+          <a:lstStyle/>
+          <a:p>
+            <a:r>
+              <a:rPr lang="cs-CZ" dirty="0" smtClean="0"/>
+              <a:t>Zpráva na Discordu z nahlašovacího systému</a:t>
+            </a:r>
+            <a:endParaRPr lang="en-US" dirty="0"/>
+          </a:p>
+        </p:txBody>
+      </p:sp>
+    </p:spTree>
+  </p:cSld>
+  <p:clrMapOvr>
+    <a:masterClrMapping/>
+  </p:clrMapOvr>
+</p:sld>
+</file>
+
+<file path=ppt/slides/slide12.xml><?xml version="1.0" encoding="utf-8"?>
+<p:sld xmlns:a="http://schemas.openxmlformats.org/drawingml/2006/main" xmlns:r="http://schemas.openxmlformats.org/officeDocument/2006/relationships" xmlns:p="http://schemas.openxmlformats.org/presentationml/2006/main">
+  <p:cSld>
+    <p:spTree>
+      <p:nvGrpSpPr>
+        <p:cNvPr id="1" name=""/>
+        <p:cNvGrpSpPr/>
+        <p:nvPr/>
+      </p:nvGrpSpPr>
+      <p:grpSpPr>
+        <a:xfrm>
+          <a:off x="0" y="0"/>
+          <a:ext cx="0" cy="0"/>
+          <a:chOff x="0" y="0"/>
+          <a:chExt cx="0" cy="0"/>
+        </a:xfrm>
+      </p:grpSpPr>
+      <p:sp>
+        <p:nvSpPr>
+          <p:cNvPr id="2" name="Nadpis 1"/>
+          <p:cNvSpPr>
+            <a:spLocks noGrp="1"/>
+          </p:cNvSpPr>
+          <p:nvPr>
+            <p:ph type="title"/>
+          </p:nvPr>
+        </p:nvSpPr>
+        <p:spPr/>
+        <p:txBody>
+          <a:bodyPr/>
+          <a:lstStyle/>
+          <a:p>
+            <a:r>
+              <a:rPr lang="cs-CZ" dirty="0" smtClean="0"/>
+              <a:t>Využité zdroje - informativní</a:t>
             </a:r>
             <a:endParaRPr lang="cs-CZ" dirty="0"/>
+          </a:p>
+        </p:txBody>
+      </p:sp>
+      <p:sp>
+        <p:nvSpPr>
+          <p:cNvPr id="3" name="Zástupný symbol pro obsah 2"/>
+          <p:cNvSpPr>
+            <a:spLocks noGrp="1"/>
+          </p:cNvSpPr>
+          <p:nvPr>
+            <p:ph idx="1"/>
+          </p:nvPr>
+        </p:nvSpPr>
+        <p:spPr/>
+        <p:txBody>
+          <a:bodyPr/>
+          <a:lstStyle/>
+          <a:p>
+            <a:pPr lvl="0"/>
+            <a:r>
+              <a:rPr lang="en-US" dirty="0" smtClean="0"/>
+              <a:t>Wikipedia [online]. [cit. 2022-01-25]. Dostupné z: </a:t>
+            </a:r>
+            <a:r>
+              <a:rPr lang="en-US" u="sng" dirty="0" smtClean="0">
+                <a:hlinkClick r:id="rId2"/>
+              </a:rPr>
+              <a:t>https://cs.wikipedia.org</a:t>
+            </a:r>
+            <a:endParaRPr lang="en-US" dirty="0" smtClean="0"/>
+          </a:p>
+          <a:p>
+            <a:pPr lvl="0"/>
+            <a:r>
+              <a:rPr lang="en-US" dirty="0" smtClean="0"/>
+              <a:t>Patria [online]. [cit. 2022-01-25]. Dostupné z: </a:t>
+            </a:r>
+            <a:r>
+              <a:rPr lang="en-US" u="sng" dirty="0" smtClean="0">
+                <a:hlinkClick r:id="rId3"/>
+              </a:rPr>
+              <a:t>https://www.patria.cz</a:t>
+            </a:r>
+            <a:endParaRPr lang="en-US" dirty="0" smtClean="0"/>
+          </a:p>
+          <a:p>
+            <a:pPr lvl="0"/>
+            <a:r>
+              <a:rPr lang="en-US" dirty="0" smtClean="0"/>
+              <a:t>Dummies [online]. [cit. 2022-01-25]. Dostupné z: </a:t>
+            </a:r>
+            <a:r>
+              <a:rPr lang="en-US" u="sng" dirty="0" smtClean="0">
+                <a:hlinkClick r:id="rId4"/>
+              </a:rPr>
+              <a:t>www.dummies.com</a:t>
+            </a:r>
+            <a:endParaRPr lang="en-US" dirty="0" smtClean="0"/>
+          </a:p>
+          <a:p>
+            <a:pPr lvl="0"/>
+            <a:r>
+              <a:rPr lang="en-US" dirty="0" smtClean="0"/>
+              <a:t>MayoClinic [online]. [cit. 2022-01-25]. Dostupné z: </a:t>
+            </a:r>
+            <a:r>
+              <a:rPr lang="en-US" u="sng" dirty="0" smtClean="0">
+                <a:hlinkClick r:id="rId5"/>
+              </a:rPr>
+              <a:t>https://www.mayoclinic.org</a:t>
+            </a:r>
+            <a:endParaRPr lang="en-US" dirty="0" smtClean="0"/>
+          </a:p>
+          <a:p>
+            <a:pPr lvl="0"/>
+            <a:r>
+              <a:rPr lang="en-US" dirty="0" smtClean="0"/>
+              <a:t>World Health Organization [online]. [cit. 2022-01-25]. Dostupné z: </a:t>
+            </a:r>
+            <a:r>
+              <a:rPr lang="en-US" u="sng" dirty="0" smtClean="0">
+                <a:hlinkClick r:id="rId6"/>
+              </a:rPr>
+              <a:t>https://www.who.int</a:t>
+            </a:r>
+            <a:r>
+              <a:rPr lang="en-US" dirty="0" smtClean="0"/>
+              <a:t> </a:t>
+            </a:r>
           </a:p>
         </p:txBody>
       </p:sp>
     </p:spTree>
     <p:extLst>
       <p:ext uri="{BB962C8B-B14F-4D97-AF65-F5344CB8AC3E}">
-        <p14:creationId xmlns:p14="http://schemas.microsoft.com/office/powerpoint/2010/main" val="634635813"/>
+        <p14:creationId xmlns:p14="http://schemas.microsoft.com/office/powerpoint/2010/main" xmlns="" val="3695855082"/>
       </p:ext>
     </p:extLst>
+  </p:cSld>
+  <p:clrMapOvr>
+    <a:masterClrMapping/>
+  </p:clrMapOvr>
+  <p:timing>
+    <p:tnLst>
+      <p:par>
+        <p:cTn id="1" dur="indefinite" restart="never" nodeType="tmRoot"/>
+      </p:par>
+    </p:tnLst>
+  </p:timing>
+</p:sld>
+</file>
+
+<file path=ppt/slides/slide13.xml><?xml version="1.0" encoding="utf-8"?>
+<p:sld xmlns:a="http://schemas.openxmlformats.org/drawingml/2006/main" xmlns:r="http://schemas.openxmlformats.org/officeDocument/2006/relationships" xmlns:p="http://schemas.openxmlformats.org/presentationml/2006/main">
+  <p:cSld>
+    <p:spTree>
+      <p:nvGrpSpPr>
+        <p:cNvPr id="1" name=""/>
+        <p:cNvGrpSpPr/>
+        <p:nvPr/>
+      </p:nvGrpSpPr>
+      <p:grpSpPr>
+        <a:xfrm>
+          <a:off x="0" y="0"/>
+          <a:ext cx="0" cy="0"/>
+          <a:chOff x="0" y="0"/>
+          <a:chExt cx="0" cy="0"/>
+        </a:xfrm>
+      </p:grpSpPr>
+      <p:sp>
+        <p:nvSpPr>
+          <p:cNvPr id="2" name="Nadpis 1"/>
+          <p:cNvSpPr>
+            <a:spLocks noGrp="1"/>
+          </p:cNvSpPr>
+          <p:nvPr>
+            <p:ph type="title"/>
+          </p:nvPr>
+        </p:nvSpPr>
+        <p:spPr/>
+        <p:txBody>
+          <a:bodyPr/>
+          <a:lstStyle/>
+          <a:p>
+            <a:r>
+              <a:rPr lang="cs-CZ" dirty="0" smtClean="0"/>
+              <a:t>Využité zdroje - aplikační</a:t>
+            </a:r>
+            <a:endParaRPr lang="en-US" dirty="0"/>
+          </a:p>
+        </p:txBody>
+      </p:sp>
+      <p:sp>
+        <p:nvSpPr>
+          <p:cNvPr id="3" name="Zástupný symbol pro obsah 2"/>
+          <p:cNvSpPr>
+            <a:spLocks noGrp="1"/>
+          </p:cNvSpPr>
+          <p:nvPr>
+            <p:ph sz="half" idx="1"/>
+          </p:nvPr>
+        </p:nvSpPr>
+        <p:spPr/>
+        <p:txBody>
+          <a:bodyPr>
+            <a:normAutofit fontScale="62500" lnSpcReduction="20000"/>
+          </a:bodyPr>
+          <a:lstStyle/>
+          <a:p>
+            <a:pPr lvl="0"/>
+            <a:r>
+              <a:rPr lang="en-US" dirty="0" smtClean="0"/>
+              <a:t>CitacePro [online]. [cit. 2022-01-25]. Dostupné z: </a:t>
+            </a:r>
+            <a:r>
+              <a:rPr lang="en-US" u="sng" dirty="0" smtClean="0">
+                <a:hlinkClick r:id="rId2"/>
+              </a:rPr>
+              <a:t>https://www.citacepro.com</a:t>
+            </a:r>
+            <a:r>
+              <a:rPr lang="en-US" dirty="0" smtClean="0"/>
+              <a:t> </a:t>
+            </a:r>
+          </a:p>
+          <a:p>
+            <a:pPr lvl="0"/>
+            <a:r>
+              <a:rPr lang="en-US" dirty="0" smtClean="0"/>
+              <a:t>Visual Studio 2017 [software]. [cit. 2022-01-25]. Verze 16.11.4. Dostupné z: </a:t>
+            </a:r>
+            <a:r>
+              <a:rPr lang="en-US" u="sng" dirty="0" smtClean="0">
+                <a:hlinkClick r:id="rId3"/>
+              </a:rPr>
+              <a:t>https://visualstudio.microsoft.com/vs/</a:t>
+            </a:r>
+            <a:endParaRPr lang="en-US" dirty="0" smtClean="0"/>
+          </a:p>
+          <a:p>
+            <a:pPr lvl="0"/>
+            <a:r>
+              <a:rPr lang="en-US" dirty="0" smtClean="0"/>
+              <a:t>Visual Studio 2022 [software]. [cit. 2022-01-25]. Verze 17.0.5. Dostupné z: </a:t>
+            </a:r>
+            <a:r>
+              <a:rPr lang="en-US" u="sng" dirty="0" smtClean="0">
+                <a:hlinkClick r:id="rId3"/>
+              </a:rPr>
+              <a:t>https://visualstudio.microsoft.com/vs/</a:t>
+            </a:r>
+            <a:endParaRPr lang="en-US" dirty="0" smtClean="0"/>
+          </a:p>
+          <a:p>
+            <a:pPr lvl="0"/>
+            <a:r>
+              <a:rPr lang="en-US" dirty="0" smtClean="0"/>
+              <a:t>Microsoft Word 2007 [software]. [cit. 2022-01-25]. Dostupné z: CD-ROM</a:t>
+            </a:r>
+          </a:p>
+          <a:p>
+            <a:pPr lvl="0"/>
+            <a:r>
+              <a:rPr lang="en-US" dirty="0" smtClean="0"/>
+              <a:t>PhpMyAdmin [online]. [cit. 2022-01-25]. Dostupné z: </a:t>
+            </a:r>
+            <a:r>
+              <a:rPr lang="en-US" u="sng" dirty="0" smtClean="0">
+                <a:hlinkClick r:id="rId4"/>
+              </a:rPr>
+              <a:t>https://www.phpmyadmin.net</a:t>
+            </a:r>
+            <a:r>
+              <a:rPr lang="en-US" dirty="0" smtClean="0"/>
+              <a:t> </a:t>
+            </a:r>
+          </a:p>
+          <a:p>
+            <a:pPr lvl="0"/>
+            <a:r>
+              <a:rPr lang="en-US" dirty="0" smtClean="0"/>
+              <a:t>Typora [software]. [cit. 2022-01-25]. Verze 0.11.17 (beta). Dostupné z: </a:t>
+            </a:r>
+            <a:r>
+              <a:rPr lang="en-US" u="sng" dirty="0" smtClean="0">
+                <a:hlinkClick r:id="rId5"/>
+              </a:rPr>
+              <a:t>https://typora.io</a:t>
+            </a:r>
+            <a:endParaRPr lang="en-US" dirty="0" smtClean="0"/>
+          </a:p>
+          <a:p>
+            <a:pPr lvl="0"/>
+            <a:r>
+              <a:rPr lang="en-US" dirty="0" smtClean="0"/>
+              <a:t>Visual Studio Code [software]. [cit. 2022-01-25]. Verze 1.63.2. Dostupné z: </a:t>
+            </a:r>
+            <a:r>
+              <a:rPr lang="en-US" u="sng" dirty="0" smtClean="0">
+                <a:hlinkClick r:id="rId6"/>
+              </a:rPr>
+              <a:t>https://code.visualstudio.com</a:t>
+            </a:r>
+            <a:r>
+              <a:rPr lang="en-US" dirty="0" smtClean="0"/>
+              <a:t> </a:t>
+            </a:r>
+          </a:p>
+          <a:p>
+            <a:pPr lvl="0"/>
+            <a:r>
+              <a:rPr lang="en-US" dirty="0" smtClean="0"/>
+              <a:t>Covid-19 data [online]. [cit. 2022-01-25]. Dostupné z: </a:t>
+            </a:r>
+            <a:r>
+              <a:rPr lang="en-US" u="sng" dirty="0" smtClean="0">
+                <a:hlinkClick r:id="rId7"/>
+              </a:rPr>
+              <a:t>https://rapidapi.com/Gramzivi/api/covid-19-data/</a:t>
+            </a:r>
+            <a:r>
+              <a:rPr lang="en-US" dirty="0" smtClean="0"/>
+              <a:t> </a:t>
+            </a:r>
+          </a:p>
+          <a:p>
+            <a:endParaRPr lang="en-US" dirty="0"/>
+          </a:p>
+        </p:txBody>
+      </p:sp>
+      <p:sp>
+        <p:nvSpPr>
+          <p:cNvPr id="4" name="Zástupný symbol pro obsah 3"/>
+          <p:cNvSpPr>
+            <a:spLocks noGrp="1"/>
+          </p:cNvSpPr>
+          <p:nvPr>
+            <p:ph sz="half" idx="2"/>
+          </p:nvPr>
+        </p:nvSpPr>
+        <p:spPr/>
+        <p:txBody>
+          <a:bodyPr>
+            <a:normAutofit fontScale="62500" lnSpcReduction="20000"/>
+          </a:bodyPr>
+          <a:lstStyle/>
+          <a:p>
+            <a:pPr lvl="0"/>
+            <a:r>
+              <a:rPr lang="en-US" dirty="0" smtClean="0"/>
+              <a:t>Flaticon [online]. [cit. 2022-01-25]. Dostupné z: </a:t>
+            </a:r>
+            <a:r>
+              <a:rPr lang="en-US" u="sng" dirty="0" smtClean="0">
+                <a:hlinkClick r:id="rId8"/>
+              </a:rPr>
+              <a:t>https://www.flaticon.com</a:t>
+            </a:r>
+            <a:r>
+              <a:rPr lang="en-US" dirty="0" smtClean="0"/>
+              <a:t> </a:t>
+            </a:r>
+          </a:p>
+          <a:p>
+            <a:pPr lvl="0"/>
+            <a:r>
+              <a:rPr lang="en-US" dirty="0" smtClean="0"/>
+              <a:t>Github [online]. [cit. 2022-01-25]. Dostupné z: </a:t>
+            </a:r>
+            <a:r>
+              <a:rPr lang="en-US" u="sng" dirty="0" smtClean="0">
+                <a:hlinkClick r:id="rId9"/>
+              </a:rPr>
+              <a:t>https://github.com</a:t>
+            </a:r>
+            <a:r>
+              <a:rPr lang="en-US" dirty="0" smtClean="0"/>
+              <a:t> </a:t>
+            </a:r>
+          </a:p>
+          <a:p>
+            <a:pPr lvl="0"/>
+            <a:r>
+              <a:rPr lang="en-US" dirty="0" smtClean="0"/>
+              <a:t>Github Desktop [software]. [cit. 2022-01-25].  Verze 2.9.6. Dostupné z: </a:t>
+            </a:r>
+            <a:r>
+              <a:rPr lang="en-US" u="sng" dirty="0" smtClean="0">
+                <a:hlinkClick r:id="rId10"/>
+              </a:rPr>
+              <a:t>https://desktop.github.com</a:t>
+            </a:r>
+            <a:r>
+              <a:rPr lang="en-US" dirty="0" smtClean="0"/>
+              <a:t> </a:t>
+            </a:r>
+          </a:p>
+          <a:p>
+            <a:pPr lvl="0"/>
+            <a:r>
+              <a:rPr lang="en-US" dirty="0" smtClean="0"/>
+              <a:t>StackOverFlow [online]. [cit. 2022-01-25]. Dostupné z: </a:t>
+            </a:r>
+            <a:r>
+              <a:rPr lang="en-US" u="sng" dirty="0" smtClean="0">
+                <a:hlinkClick r:id="rId11"/>
+              </a:rPr>
+              <a:t>https://stackoverflow.com</a:t>
+            </a:r>
+            <a:r>
+              <a:rPr lang="en-US" dirty="0" smtClean="0"/>
+              <a:t> </a:t>
+            </a:r>
+          </a:p>
+          <a:p>
+            <a:pPr lvl="0"/>
+            <a:r>
+              <a:rPr lang="en-US" dirty="0" smtClean="0"/>
+              <a:t>W3Schools [online]. [cit. 2022-01-25]. Dostupné z: </a:t>
+            </a:r>
+            <a:r>
+              <a:rPr lang="en-US" u="sng" dirty="0" smtClean="0">
+                <a:hlinkClick r:id="rId12"/>
+              </a:rPr>
+              <a:t>https://www.w3schools.com</a:t>
+            </a:r>
+            <a:r>
+              <a:rPr lang="en-US" dirty="0" smtClean="0"/>
+              <a:t> </a:t>
+            </a:r>
+          </a:p>
+          <a:p>
+            <a:pPr lvl="0"/>
+            <a:r>
+              <a:rPr lang="en-US" dirty="0" smtClean="0"/>
+              <a:t>Mockaroo [online]. [cit. 2022-01-25]. Dostupné z: </a:t>
+            </a:r>
+            <a:r>
+              <a:rPr lang="en-US" u="sng" dirty="0" smtClean="0">
+                <a:hlinkClick r:id="rId13"/>
+              </a:rPr>
+              <a:t>https://www.mockaroo.com</a:t>
+            </a:r>
+            <a:r>
+              <a:rPr lang="en-US" dirty="0" smtClean="0"/>
+              <a:t> </a:t>
+            </a:r>
+          </a:p>
+          <a:p>
+            <a:pPr lvl="0"/>
+            <a:r>
+              <a:rPr lang="en-US" dirty="0" smtClean="0"/>
+              <a:t>QR Code Generator [online]. [cit. 2022-01-25]. Dostupné z: </a:t>
+            </a:r>
+            <a:r>
+              <a:rPr lang="en-US" u="sng" dirty="0" smtClean="0">
+                <a:hlinkClick r:id="rId14"/>
+              </a:rPr>
+              <a:t>https://goqr.me/api/</a:t>
+            </a:r>
+            <a:r>
+              <a:rPr lang="en-US" dirty="0" smtClean="0"/>
+              <a:t> </a:t>
+            </a:r>
+          </a:p>
+          <a:p>
+            <a:endParaRPr lang="en-US" dirty="0"/>
+          </a:p>
+        </p:txBody>
+      </p:sp>
+    </p:spTree>
+  </p:cSld>
+  <p:clrMapOvr>
+    <a:masterClrMapping/>
+  </p:clrMapOvr>
+</p:sld>
+</file>
+
+<file path=ppt/slides/slide14.xml><?xml version="1.0" encoding="utf-8"?>
+<p:sld xmlns:a="http://schemas.openxmlformats.org/drawingml/2006/main" xmlns:r="http://schemas.openxmlformats.org/officeDocument/2006/relationships" xmlns:p="http://schemas.openxmlformats.org/presentationml/2006/main">
+  <p:cSld>
+    <p:spTree>
+      <p:nvGrpSpPr>
+        <p:cNvPr id="1" name=""/>
+        <p:cNvGrpSpPr/>
+        <p:nvPr/>
+      </p:nvGrpSpPr>
+      <p:grpSpPr>
+        <a:xfrm>
+          <a:off x="0" y="0"/>
+          <a:ext cx="0" cy="0"/>
+          <a:chOff x="0" y="0"/>
+          <a:chExt cx="0" cy="0"/>
+        </a:xfrm>
+      </p:grpSpPr>
+      <p:sp>
+        <p:nvSpPr>
+          <p:cNvPr id="2" name="Nadpis 1"/>
+          <p:cNvSpPr>
+            <a:spLocks noGrp="1"/>
+          </p:cNvSpPr>
+          <p:nvPr>
+            <p:ph type="ctrTitle"/>
+          </p:nvPr>
+        </p:nvSpPr>
+        <p:spPr/>
+        <p:txBody>
+          <a:bodyPr/>
+          <a:lstStyle/>
+          <a:p>
+            <a:r>
+              <a:rPr lang="cs-CZ" dirty="0" smtClean="0"/>
+              <a:t>Děkuji za pozornost</a:t>
+            </a:r>
+            <a:endParaRPr lang="en-US" dirty="0"/>
+          </a:p>
+        </p:txBody>
+      </p:sp>
+      <p:sp>
+        <p:nvSpPr>
+          <p:cNvPr id="3" name="Podnadpis 2"/>
+          <p:cNvSpPr>
+            <a:spLocks noGrp="1"/>
+          </p:cNvSpPr>
+          <p:nvPr>
+            <p:ph type="subTitle" idx="1"/>
+          </p:nvPr>
+        </p:nvSpPr>
+        <p:spPr/>
+        <p:txBody>
+          <a:bodyPr/>
+          <a:lstStyle/>
+          <a:p>
+            <a:endParaRPr lang="en-US"/>
+          </a:p>
+        </p:txBody>
+      </p:sp>
+    </p:spTree>
   </p:cSld>
   <p:clrMapOvr>
     <a:masterClrMapping/>
@@ -5963,28 +6690,40 @@
           <a:p>
             <a:r>
               <a:rPr lang="cs-CZ" dirty="0" smtClean="0"/>
-              <a:t>Využité technologie – 1</a:t>
-            </a:r>
-          </a:p>
-          <a:p>
+              <a:t>Využité </a:t>
+            </a:r>
             <a:r>
               <a:rPr lang="cs-CZ" dirty="0" smtClean="0"/>
-              <a:t>Využité </a:t>
-            </a:r>
-            <a:r>
-              <a:rPr lang="cs-CZ" dirty="0"/>
-              <a:t>technologie </a:t>
-            </a:r>
+              <a:t>technologie</a:t>
+            </a:r>
+          </a:p>
+          <a:p>
             <a:r>
               <a:rPr lang="cs-CZ" dirty="0" smtClean="0"/>
-              <a:t>– 2</a:t>
-            </a:r>
-          </a:p>
-          <a:p>
+              <a:t>Problémy </a:t>
+            </a:r>
             <a:r>
               <a:rPr lang="cs-CZ" dirty="0" smtClean="0"/>
-              <a:t>Problémy s vývojem</a:t>
-            </a:r>
+              <a:t>s </a:t>
+            </a:r>
+            <a:r>
+              <a:rPr lang="cs-CZ" dirty="0" smtClean="0"/>
+              <a:t>vývojem</a:t>
+            </a:r>
+          </a:p>
+          <a:p>
+            <a:r>
+              <a:rPr lang="cs-CZ" dirty="0" smtClean="0"/>
+              <a:t>Snímky z aplikace</a:t>
+            </a:r>
+            <a:endParaRPr lang="cs-CZ" dirty="0" smtClean="0"/>
+          </a:p>
+          <a:p>
+            <a:r>
+              <a:rPr lang="cs-CZ" dirty="0" smtClean="0"/>
+              <a:t>Závěr</a:t>
+            </a:r>
+            <a:endParaRPr lang="cs-CZ" dirty="0" smtClean="0"/>
           </a:p>
           <a:p>
             <a:r>
@@ -6003,13 +6742,20 @@
     </p:spTree>
     <p:extLst>
       <p:ext uri="{BB962C8B-B14F-4D97-AF65-F5344CB8AC3E}">
-        <p14:creationId xmlns:p14="http://schemas.microsoft.com/office/powerpoint/2010/main" val="1846679383"/>
+        <p14:creationId xmlns:p14="http://schemas.microsoft.com/office/powerpoint/2010/main" xmlns="" val="1846679383"/>
       </p:ext>
     </p:extLst>
   </p:cSld>
   <p:clrMapOvr>
     <a:masterClrMapping/>
   </p:clrMapOvr>
+  <p:timing>
+    <p:tnLst>
+      <p:par>
+        <p:cTn id="1" dur="indefinite" restart="never" nodeType="tmRoot"/>
+      </p:par>
+    </p:tnLst>
+  </p:timing>
 </p:sld>
 </file>
 
@@ -6070,22 +6816,18 @@
           <a:p>
             <a:r>
               <a:rPr lang="cs-CZ" dirty="0" smtClean="0"/>
-              <a:t>Proč jsem si dané téma vybral?</a:t>
-            </a:r>
-          </a:p>
-          <a:p>
+              <a:t>Proč jsem si dané téma vybral</a:t>
+            </a:r>
             <a:r>
               <a:rPr lang="cs-CZ" dirty="0" smtClean="0"/>
-              <a:t>Co je Covid-19?</a:t>
+              <a:t>?</a:t>
             </a:r>
           </a:p>
           <a:p>
             <a:r>
               <a:rPr lang="cs-CZ" dirty="0" smtClean="0"/>
-              <a:t>Bude mít aplikace další využití?</a:t>
-            </a:r>
-          </a:p>
-          <a:p>
+              <a:t>Cíl mého projektu</a:t>
+            </a:r>
             <a:endParaRPr lang="cs-CZ" dirty="0"/>
           </a:p>
         </p:txBody>
@@ -6093,13 +6835,20 @@
     </p:spTree>
     <p:extLst>
       <p:ext uri="{BB962C8B-B14F-4D97-AF65-F5344CB8AC3E}">
-        <p14:creationId xmlns:p14="http://schemas.microsoft.com/office/powerpoint/2010/main" val="2713682985"/>
+        <p14:creationId xmlns:p14="http://schemas.microsoft.com/office/powerpoint/2010/main" xmlns="" val="2713682985"/>
       </p:ext>
     </p:extLst>
   </p:cSld>
   <p:clrMapOvr>
     <a:masterClrMapping/>
   </p:clrMapOvr>
+  <p:timing>
+    <p:tnLst>
+      <p:par>
+        <p:cTn id="1" dur="indefinite" restart="never" nodeType="tmRoot"/>
+      </p:par>
+    </p:tnLst>
+  </p:timing>
 </p:sld>
 </file>
 
@@ -6158,20 +6907,74 @@
           <a:bodyPr/>
           <a:lstStyle/>
           <a:p>
-            <a:endParaRPr lang="cs-CZ" dirty="0"/>
+            <a:r>
+              <a:rPr lang="cs-CZ" dirty="0" smtClean="0"/>
+              <a:t>Covid-19</a:t>
+            </a:r>
+          </a:p>
+          <a:p>
+            <a:pPr lvl="1"/>
+            <a:r>
+              <a:rPr lang="cs-CZ" dirty="0" smtClean="0"/>
+              <a:t>Nakažlivost</a:t>
+            </a:r>
+          </a:p>
+          <a:p>
+            <a:pPr lvl="1"/>
+            <a:r>
+              <a:rPr lang="cs-CZ" dirty="0" smtClean="0"/>
+              <a:t>Vakcína</a:t>
+            </a:r>
+          </a:p>
+          <a:p>
+            <a:pPr lvl="1"/>
+            <a:r>
+              <a:rPr lang="cs-CZ" dirty="0" smtClean="0"/>
+              <a:t>Symptomy</a:t>
+            </a:r>
+          </a:p>
+          <a:p>
+            <a:pPr lvl="1"/>
+            <a:r>
+              <a:rPr lang="cs-CZ" dirty="0" smtClean="0"/>
+              <a:t>Úmrtnost a </a:t>
+            </a:r>
+            <a:r>
+              <a:rPr lang="cs-CZ" dirty="0" smtClean="0"/>
+              <a:t>smrtnost</a:t>
+            </a:r>
+          </a:p>
+          <a:p>
+            <a:r>
+              <a:rPr lang="cs-CZ" dirty="0" smtClean="0"/>
+              <a:t>Vybrané programovací jazyk</a:t>
+            </a:r>
+          </a:p>
+          <a:p>
+            <a:r>
+              <a:rPr lang="cs-CZ" dirty="0" smtClean="0"/>
+              <a:t>Vybrané programy</a:t>
+            </a:r>
           </a:p>
         </p:txBody>
       </p:sp>
     </p:spTree>
     <p:extLst>
       <p:ext uri="{BB962C8B-B14F-4D97-AF65-F5344CB8AC3E}">
-        <p14:creationId xmlns:p14="http://schemas.microsoft.com/office/powerpoint/2010/main" val="1768669025"/>
+        <p14:creationId xmlns:p14="http://schemas.microsoft.com/office/powerpoint/2010/main" xmlns="" val="1768669025"/>
       </p:ext>
     </p:extLst>
   </p:cSld>
   <p:clrMapOvr>
     <a:masterClrMapping/>
   </p:clrMapOvr>
+  <p:timing>
+    <p:tnLst>
+      <p:par>
+        <p:cTn id="1" dur="indefinite" restart="never" nodeType="tmRoot"/>
+      </p:par>
+    </p:tnLst>
+  </p:timing>
 </p:sld>
 </file>
 
@@ -6209,9 +7012,13 @@
           <a:p>
             <a:r>
               <a:rPr lang="cs-CZ" dirty="0" smtClean="0"/>
-              <a:t> Použité technologie - 1</a:t>
-            </a:r>
-            <a:endParaRPr lang="cs-CZ" dirty="0"/>
+              <a:t>Využité </a:t>
+            </a:r>
+            <a:r>
+              <a:rPr lang="cs-CZ" dirty="0" smtClean="0"/>
+              <a:t>technologie</a:t>
+            </a:r>
+            <a:endParaRPr lang="en-US" dirty="0"/>
           </a:p>
         </p:txBody>
       </p:sp>
@@ -6222,28 +7029,105 @@
             <a:spLocks noGrp="1"/>
           </p:cNvSpPr>
           <p:nvPr>
-            <p:ph idx="1"/>
-          </p:nvPr>
-        </p:nvSpPr>
-        <p:spPr/>
-        <p:txBody>
-          <a:bodyPr/>
-          <a:lstStyle/>
-          <a:p>
-            <a:endParaRPr lang="cs-CZ" dirty="0"/>
+            <p:ph sz="half" idx="1"/>
+          </p:nvPr>
+        </p:nvSpPr>
+        <p:spPr/>
+        <p:txBody>
+          <a:bodyPr/>
+          <a:lstStyle/>
+          <a:p>
+            <a:r>
+              <a:rPr lang="cs-CZ" dirty="0" smtClean="0"/>
+              <a:t>Databázový server</a:t>
+            </a:r>
+          </a:p>
+          <a:p>
+            <a:r>
+              <a:rPr lang="cs-CZ" dirty="0" smtClean="0"/>
+              <a:t>Rest API</a:t>
+            </a:r>
+          </a:p>
+          <a:p>
+            <a:r>
+              <a:rPr lang="cs-CZ" dirty="0" smtClean="0"/>
+              <a:t>Spouštěcí parametry</a:t>
+            </a:r>
+          </a:p>
+          <a:p>
+            <a:r>
+              <a:rPr lang="cs-CZ" dirty="0" smtClean="0"/>
+              <a:t>Export dat do PDF</a:t>
+            </a:r>
+          </a:p>
+          <a:p>
+            <a:r>
+              <a:rPr lang="cs-CZ" dirty="0" smtClean="0"/>
+              <a:t>Instalátor aplikace</a:t>
+            </a:r>
+            <a:endParaRPr lang="en-US" dirty="0"/>
+          </a:p>
+        </p:txBody>
+      </p:sp>
+      <p:sp>
+        <p:nvSpPr>
+          <p:cNvPr id="4" name="Zástupný symbol pro obsah 3"/>
+          <p:cNvSpPr>
+            <a:spLocks noGrp="1"/>
+          </p:cNvSpPr>
+          <p:nvPr>
+            <p:ph sz="half" idx="2"/>
+          </p:nvPr>
+        </p:nvSpPr>
+        <p:spPr/>
+        <p:txBody>
+          <a:bodyPr/>
+          <a:lstStyle/>
+          <a:p>
+            <a:r>
+              <a:rPr lang="cs-CZ" dirty="0" smtClean="0"/>
+              <a:t>Git, </a:t>
+            </a:r>
+            <a:r>
+              <a:rPr lang="cs-CZ" dirty="0" smtClean="0"/>
+              <a:t>Github</a:t>
+            </a:r>
+            <a:endParaRPr lang="cs-CZ" dirty="0" smtClean="0"/>
+          </a:p>
+          <a:p>
+            <a:r>
+              <a:rPr lang="cs-CZ" dirty="0" smtClean="0"/>
+              <a:t>Přihlašovací systém</a:t>
+            </a:r>
+          </a:p>
+          <a:p>
+            <a:r>
+              <a:rPr lang="cs-CZ" dirty="0" smtClean="0"/>
+              <a:t>Logovací systém</a:t>
+            </a:r>
+            <a:endParaRPr lang="cs-CZ" dirty="0" smtClean="0"/>
+          </a:p>
+          <a:p>
+            <a:r>
+              <a:rPr lang="cs-CZ" dirty="0" smtClean="0"/>
+              <a:t>Nahlašovací systém</a:t>
+            </a:r>
+            <a:endParaRPr lang="en-US" dirty="0"/>
           </a:p>
         </p:txBody>
       </p:sp>
     </p:spTree>
-    <p:extLst>
-      <p:ext uri="{BB962C8B-B14F-4D97-AF65-F5344CB8AC3E}">
-        <p14:creationId xmlns:p14="http://schemas.microsoft.com/office/powerpoint/2010/main" val="3175467549"/>
-      </p:ext>
-    </p:extLst>
   </p:cSld>
   <p:clrMapOvr>
     <a:masterClrMapping/>
   </p:clrMapOvr>
+  <p:timing>
+    <p:tnLst>
+      <p:par>
+        <p:cTn id="1" dur="indefinite" restart="never" nodeType="tmRoot"/>
+      </p:par>
+    </p:tnLst>
+  </p:timing>
 </p:sld>
 </file>
 
@@ -6280,12 +7164,8 @@
           <a:lstStyle/>
           <a:p>
             <a:r>
-              <a:rPr lang="cs-CZ" dirty="0"/>
-              <a:t> Použité technologie - </a:t>
-            </a:r>
-            <a:r>
               <a:rPr lang="cs-CZ" dirty="0" smtClean="0"/>
-              <a:t>2</a:t>
+              <a:t>Problémy s vývojem</a:t>
             </a:r>
             <a:endParaRPr lang="cs-CZ" dirty="0"/>
           </a:p>
@@ -6306,20 +7186,49 @@
           <a:bodyPr/>
           <a:lstStyle/>
           <a:p>
-            <a:endParaRPr lang="cs-CZ"/>
+            <a:r>
+              <a:rPr lang="cs-CZ" dirty="0" smtClean="0"/>
+              <a:t>Třetí strana poskytující Covid-19 data</a:t>
+            </a:r>
+          </a:p>
+          <a:p>
+            <a:r>
+              <a:rPr lang="cs-CZ" dirty="0" smtClean="0"/>
+              <a:t>Nahrávání na Github z třetí strany</a:t>
+            </a:r>
+          </a:p>
+          <a:p>
+            <a:r>
+              <a:rPr lang="cs-CZ" dirty="0" smtClean="0"/>
+              <a:t>Zavirovaný počítač</a:t>
+            </a:r>
+          </a:p>
+          <a:p>
+            <a:r>
+              <a:rPr lang="cs-CZ" dirty="0" smtClean="0"/>
+              <a:t>Problém s responzivitou</a:t>
+            </a:r>
+            <a:endParaRPr lang="cs-CZ" dirty="0"/>
           </a:p>
         </p:txBody>
       </p:sp>
     </p:spTree>
     <p:extLst>
       <p:ext uri="{BB962C8B-B14F-4D97-AF65-F5344CB8AC3E}">
-        <p14:creationId xmlns:p14="http://schemas.microsoft.com/office/powerpoint/2010/main" val="3057401351"/>
+        <p14:creationId xmlns:p14="http://schemas.microsoft.com/office/powerpoint/2010/main" xmlns="" val="2542267650"/>
       </p:ext>
     </p:extLst>
   </p:cSld>
   <p:clrMapOvr>
     <a:masterClrMapping/>
   </p:clrMapOvr>
+  <p:timing>
+    <p:tnLst>
+      <p:par>
+        <p:cTn id="1" dur="indefinite" restart="never" nodeType="tmRoot"/>
+      </p:par>
+    </p:tnLst>
+  </p:timing>
 </p:sld>
 </file>
 
@@ -6357,9 +7266,9 @@
           <a:p>
             <a:r>
               <a:rPr lang="cs-CZ" dirty="0" smtClean="0"/>
-              <a:t>Problémy s vývojem</a:t>
-            </a:r>
-            <a:endParaRPr lang="cs-CZ" dirty="0"/>
+              <a:t>Závěr</a:t>
+            </a:r>
+            <a:endParaRPr lang="en-US" dirty="0"/>
           </a:p>
         </p:txBody>
       </p:sp>
@@ -6378,20 +7287,46 @@
           <a:bodyPr/>
           <a:lstStyle/>
           <a:p>
-            <a:endParaRPr lang="cs-CZ"/>
+            <a:r>
+              <a:rPr lang="cs-CZ" dirty="0" smtClean="0"/>
+              <a:t>Splnil vývoj aplikace má očekávání?</a:t>
+            </a:r>
+            <a:endParaRPr lang="cs-CZ" dirty="0" smtClean="0"/>
+          </a:p>
+          <a:p>
+            <a:r>
+              <a:rPr lang="cs-CZ" dirty="0" smtClean="0"/>
+              <a:t>Bude mít aplikace další využití</a:t>
+            </a:r>
+            <a:r>
+              <a:rPr lang="cs-CZ" dirty="0" smtClean="0"/>
+              <a:t>?</a:t>
+            </a:r>
+          </a:p>
+          <a:p>
+            <a:r>
+              <a:rPr lang="cs-CZ" dirty="0" smtClean="0"/>
+              <a:t>Subjektivní názor na aplikaci</a:t>
+            </a:r>
+            <a:endParaRPr lang="cs-CZ" dirty="0" smtClean="0"/>
+          </a:p>
+          <a:p>
+            <a:endParaRPr lang="en-US" dirty="0"/>
           </a:p>
         </p:txBody>
       </p:sp>
     </p:spTree>
-    <p:extLst>
-      <p:ext uri="{BB962C8B-B14F-4D97-AF65-F5344CB8AC3E}">
-        <p14:creationId xmlns:p14="http://schemas.microsoft.com/office/powerpoint/2010/main" val="2542267650"/>
-      </p:ext>
-    </p:extLst>
   </p:cSld>
   <p:clrMapOvr>
     <a:masterClrMapping/>
   </p:clrMapOvr>
+  <p:timing>
+    <p:tnLst>
+      <p:par>
+        <p:cTn id="1" dur="indefinite" restart="never" nodeType="tmRoot"/>
+      </p:par>
+    </p:tnLst>
+  </p:timing>
 </p:sld>
 </file>
 
@@ -6424,46 +7359,88 @@
         </p:nvSpPr>
         <p:spPr/>
         <p:txBody>
-          <a:bodyPr/>
+          <a:bodyPr>
+            <a:normAutofit/>
+          </a:bodyPr>
           <a:lstStyle/>
           <a:p>
             <a:r>
               <a:rPr lang="cs-CZ" dirty="0" smtClean="0"/>
-              <a:t>Využité zdroje - informativní</a:t>
-            </a:r>
-            <a:endParaRPr lang="cs-CZ" dirty="0"/>
-          </a:p>
-        </p:txBody>
-      </p:sp>
-      <p:sp>
-        <p:nvSpPr>
-          <p:cNvPr id="3" name="Zástupný symbol pro obsah 2"/>
-          <p:cNvSpPr>
-            <a:spLocks noGrp="1"/>
-          </p:cNvSpPr>
-          <p:nvPr>
-            <p:ph idx="1"/>
-          </p:nvPr>
-        </p:nvSpPr>
-        <p:spPr/>
-        <p:txBody>
-          <a:bodyPr/>
-          <a:lstStyle/>
-          <a:p>
-            <a:endParaRPr lang="cs-CZ"/>
+              <a:t>Snímky z </a:t>
+            </a:r>
+            <a:r>
+              <a:rPr lang="cs-CZ" dirty="0" smtClean="0"/>
+              <a:t>aplikace</a:t>
+            </a:r>
+            <a:endParaRPr lang="en-US" dirty="0"/>
+          </a:p>
+        </p:txBody>
+      </p:sp>
+      <p:pic>
+        <p:nvPicPr>
+          <p:cNvPr id="5" name="Zástupný symbol pro obrázek 4" descr="LoadingBackground.gif"/>
+          <p:cNvPicPr>
+            <a:picLocks noGrp="1" noChangeAspect="1"/>
+          </p:cNvPicPr>
+          <p:nvPr>
+            <p:ph type="pic" idx="1"/>
+          </p:nvPr>
+        </p:nvPicPr>
+        <p:blipFill>
+          <a:blip r:embed="rId2"/>
+          <a:stretch>
+            <a:fillRect/>
+          </a:stretch>
+        </p:blipFill>
+        <p:spPr>
+          <a:xfrm>
+            <a:off x="2539085" y="815442"/>
+            <a:ext cx="5008744" cy="3756558"/>
+          </a:xfrm>
+          <a:prstGeom prst="rect">
+            <a:avLst/>
+          </a:prstGeom>
+          <a:noFill/>
+          <a:ln>
+            <a:noFill/>
+          </a:ln>
+        </p:spPr>
+      </p:pic>
+      <p:sp>
+        <p:nvSpPr>
+          <p:cNvPr id="4" name="Zástupný symbol pro text 3"/>
+          <p:cNvSpPr>
+            <a:spLocks noGrp="1"/>
+          </p:cNvSpPr>
+          <p:nvPr>
+            <p:ph type="body" sz="half" idx="2"/>
+          </p:nvPr>
+        </p:nvSpPr>
+        <p:spPr/>
+        <p:txBody>
+          <a:bodyPr/>
+          <a:lstStyle/>
+          <a:p>
+            <a:r>
+              <a:rPr lang="cs-CZ" dirty="0" smtClean="0"/>
+              <a:t>Načítací obrazovka aplikace</a:t>
+            </a:r>
+            <a:endParaRPr lang="en-US" dirty="0"/>
           </a:p>
         </p:txBody>
       </p:sp>
     </p:spTree>
-    <p:extLst>
-      <p:ext uri="{BB962C8B-B14F-4D97-AF65-F5344CB8AC3E}">
-        <p14:creationId xmlns:p14="http://schemas.microsoft.com/office/powerpoint/2010/main" val="3695855082"/>
-      </p:ext>
-    </p:extLst>
   </p:cSld>
   <p:clrMapOvr>
     <a:masterClrMapping/>
   </p:clrMapOvr>
+  <p:timing>
+    <p:tnLst>
+      <p:par>
+        <p:cTn id="1" dur="indefinite" restart="never" nodeType="tmRoot"/>
+      </p:par>
+    </p:tnLst>
+  </p:timing>
 </p:sld>
 </file>
 
@@ -6501,37 +7478,66 @@
           <a:p>
             <a:r>
               <a:rPr lang="cs-CZ" dirty="0" smtClean="0"/>
-              <a:t>Využité zdroje - aplikační</a:t>
-            </a:r>
-            <a:endParaRPr lang="cs-CZ" dirty="0"/>
-          </a:p>
-        </p:txBody>
-      </p:sp>
-      <p:sp>
-        <p:nvSpPr>
-          <p:cNvPr id="3" name="Zástupný symbol pro obsah 2"/>
-          <p:cNvSpPr>
-            <a:spLocks noGrp="1"/>
-          </p:cNvSpPr>
-          <p:nvPr>
-            <p:ph idx="1"/>
-          </p:nvPr>
-        </p:nvSpPr>
-        <p:spPr/>
-        <p:txBody>
-          <a:bodyPr/>
-          <a:lstStyle/>
-          <a:p>
-            <a:endParaRPr lang="cs-CZ"/>
+              <a:t>Snímky z aplikace</a:t>
+            </a:r>
+            <a:endParaRPr lang="en-US" dirty="0"/>
+          </a:p>
+        </p:txBody>
+      </p:sp>
+      <p:pic>
+        <p:nvPicPr>
+          <p:cNvPr id="5" name="Zástupný symbol pro obrázek 4" descr="PatientsSubFormUpdateQR.png"/>
+          <p:cNvPicPr>
+            <a:picLocks noGrp="1" noChangeAspect="1"/>
+          </p:cNvPicPr>
+          <p:nvPr>
+            <p:ph type="pic" idx="1"/>
+          </p:nvPr>
+        </p:nvPicPr>
+        <p:blipFill>
+          <a:blip r:embed="rId2"/>
+          <a:stretch>
+            <a:fillRect/>
+          </a:stretch>
+        </p:blipFill>
+        <p:spPr>
+          <a:xfrm>
+            <a:off x="1929486" y="743098"/>
+            <a:ext cx="5954125" cy="3634892"/>
+          </a:xfrm>
+          <a:prstGeom prst="rect">
+            <a:avLst/>
+          </a:prstGeom>
+          <a:noFill/>
+          <a:ln>
+            <a:noFill/>
+          </a:ln>
+        </p:spPr>
+      </p:pic>
+      <p:sp>
+        <p:nvSpPr>
+          <p:cNvPr id="4" name="Zástupný symbol pro text 3"/>
+          <p:cNvSpPr>
+            <a:spLocks noGrp="1"/>
+          </p:cNvSpPr>
+          <p:nvPr>
+            <p:ph type="body" sz="half" idx="2"/>
+          </p:nvPr>
+        </p:nvSpPr>
+        <p:spPr/>
+        <p:txBody>
+          <a:bodyPr/>
+          <a:lstStyle/>
+          <a:p>
+            <a:r>
+              <a:rPr lang="cs-CZ" dirty="0" smtClean="0"/>
+              <a:t>Obrazovka pro úpravu jednotlivých pacientů</a:t>
+            </a:r>
+            <a:endParaRPr lang="en-US" dirty="0"/>
           </a:p>
         </p:txBody>
       </p:sp>
     </p:spTree>
-    <p:extLst>
-      <p:ext uri="{BB962C8B-B14F-4D97-AF65-F5344CB8AC3E}">
-        <p14:creationId xmlns:p14="http://schemas.microsoft.com/office/powerpoint/2010/main" val="4015779995"/>
-      </p:ext>
-    </p:extLst>
   </p:cSld>
   <p:clrMapOvr>
     <a:masterClrMapping/>
@@ -6582,7 +7588,7 @@
     </a:clrScheme>
     <a:fontScheme name="Facet">
       <a:majorFont>
-        <a:latin typeface="Trebuchet MS" panose="020B0603020202020204"/>
+        <a:latin typeface="Trebuchet MS"/>
         <a:ea typeface=""/>
         <a:cs typeface=""/>
         <a:font script="Jpan" typeface="メイリオ"/>
@@ -6617,7 +7623,7 @@
         <a:font script="Geor" typeface="Sylfaen"/>
       </a:majorFont>
       <a:minorFont>
-        <a:latin typeface="Trebuchet MS" panose="020B0603020202020204"/>
+        <a:latin typeface="Trebuchet MS"/>
         <a:ea typeface=""/>
         <a:cs typeface=""/>
         <a:font script="Jpan" typeface="メイリオ"/>
@@ -6790,7 +7796,7 @@
   <a:extraClrSchemeLst/>
   <a:extLst>
     <a:ext uri="{05A4C25C-085E-4340-85A3-A5531E510DB2}">
-      <thm15:themeFamily xmlns:thm15="http://schemas.microsoft.com/office/thememl/2012/main" name="Facet" id="{C0C680CD-088A-49FC-A102-D699147F32B2}" vid="{CFBC31BA-B70F-4F30-BCAA-4F3011E16C4D}"/>
+      <thm15:themeFamily xmlns:thm15="http://schemas.microsoft.com/office/thememl/2012/main" xmlns="" name="Facet" id="{C0C680CD-088A-49FC-A102-D699147F32B2}" vid="{CFBC31BA-B70F-4F30-BCAA-4F3011E16C4D}"/>
     </a:ext>
   </a:extLst>
 </a:theme>

--- a/Documents/CoronaTracker.pptx
+++ b/Documents/CoronaTracker.pptx
@@ -11,11 +11,11 @@
     <p:sldId id="258" r:id="rId5"/>
     <p:sldId id="267" r:id="rId6"/>
     <p:sldId id="264" r:id="rId7"/>
-    <p:sldId id="266" r:id="rId8"/>
-    <p:sldId id="268" r:id="rId9"/>
-    <p:sldId id="271" r:id="rId10"/>
-    <p:sldId id="272" r:id="rId11"/>
-    <p:sldId id="273" r:id="rId12"/>
+    <p:sldId id="268" r:id="rId8"/>
+    <p:sldId id="271" r:id="rId9"/>
+    <p:sldId id="272" r:id="rId10"/>
+    <p:sldId id="273" r:id="rId11"/>
+    <p:sldId id="266" r:id="rId12"/>
     <p:sldId id="259" r:id="rId13"/>
     <p:sldId id="269" r:id="rId14"/>
     <p:sldId id="270" r:id="rId15"/>
@@ -117,6 +117,22 @@
       </a:defRPr>
     </a:lvl9pPr>
   </p:defaultTextStyle>
+  <p:extLst>
+    <p:ext uri="{EFAFB233-063F-42B5-8137-9DF3F51BA10A}">
+      <p15:sldGuideLst xmlns:p15="http://schemas.microsoft.com/office/powerpoint/2012/main">
+        <p15:guide id="1" orient="horz" pos="2160">
+          <p15:clr>
+            <a:srgbClr val="A4A3A4"/>
+          </p15:clr>
+        </p15:guide>
+        <p15:guide id="2" pos="3840">
+          <p15:clr>
+            <a:srgbClr val="A4A3A4"/>
+          </p15:clr>
+        </p15:guide>
+      </p15:sldGuideLst>
+    </p:ext>
+  </p:extLst>
 </p:presentation>
 </file>
 
@@ -698,7 +714,7 @@
           </a:lstStyle>
           <a:p>
             <a:r>
-              <a:rPr lang="cs-CZ" smtClean="0"/>
+              <a:rPr lang="cs-CZ"/>
               <a:t>Kliknutím lze upravit styl.</a:t>
             </a:r>
             <a:endParaRPr lang="en-US" dirty="0"/>
@@ -818,7 +834,7 @@
           </a:lstStyle>
           <a:p>
             <a:r>
-              <a:rPr lang="cs-CZ" smtClean="0"/>
+              <a:rPr lang="cs-CZ"/>
               <a:t>Kliknutím lze upravit styl předlohy.</a:t>
             </a:r>
             <a:endParaRPr lang="en-US" dirty="0"/>
@@ -843,7 +859,7 @@
             <a:fld id="{B61BEF0D-F0BB-DE4B-95CE-6DB70DBA9567}" type="datetimeFigureOut">
               <a:rPr lang="en-US" dirty="0"/>
               <a:pPr/>
-              <a:t>2022-01-28</a:t>
+              <a:t>2022-05-07</a:t>
             </a:fld>
             <a:endParaRPr lang="en-US" dirty="0"/>
           </a:p>
@@ -944,7 +960,7 @@
           </a:lstStyle>
           <a:p>
             <a:r>
-              <a:rPr lang="cs-CZ" smtClean="0"/>
+              <a:rPr lang="cs-CZ"/>
               <a:t>Kliknutím lze upravit styl.</a:t>
             </a:r>
             <a:endParaRPr lang="en-US" dirty="0"/>
@@ -1067,7 +1083,7 @@
           <a:p>
             <a:pPr lvl="0"/>
             <a:r>
-              <a:rPr lang="cs-CZ" smtClean="0"/>
+              <a:rPr lang="cs-CZ"/>
               <a:t>Kliknutím lze upravit styly předlohy textu.</a:t>
             </a:r>
           </a:p>
@@ -1091,7 +1107,7 @@
             <a:fld id="{B61BEF0D-F0BB-DE4B-95CE-6DB70DBA9567}" type="datetimeFigureOut">
               <a:rPr lang="en-US" dirty="0"/>
               <a:pPr/>
-              <a:t>2022-01-28</a:t>
+              <a:t>2022-05-07</a:t>
             </a:fld>
             <a:endParaRPr lang="en-US" dirty="0"/>
           </a:p>
@@ -1192,7 +1208,7 @@
           </a:lstStyle>
           <a:p>
             <a:r>
-              <a:rPr lang="cs-CZ" smtClean="0"/>
+              <a:rPr lang="cs-CZ"/>
               <a:t>Kliknutím lze upravit styl.</a:t>
             </a:r>
             <a:endParaRPr lang="en-US" dirty="0"/>
@@ -1256,7 +1272,7 @@
           <a:p>
             <a:pPr lvl="0"/>
             <a:r>
-              <a:rPr lang="cs-CZ" smtClean="0"/>
+              <a:rPr lang="cs-CZ"/>
               <a:t>Kliknutím lze upravit styly předlohy textu.</a:t>
             </a:r>
           </a:p>
@@ -1378,7 +1394,7 @@
           <a:p>
             <a:pPr lvl="0"/>
             <a:r>
-              <a:rPr lang="cs-CZ" smtClean="0"/>
+              <a:rPr lang="cs-CZ"/>
               <a:t>Kliknutím lze upravit styly předlohy textu.</a:t>
             </a:r>
           </a:p>
@@ -1402,7 +1418,7 @@
             <a:fld id="{B61BEF0D-F0BB-DE4B-95CE-6DB70DBA9567}" type="datetimeFigureOut">
               <a:rPr lang="en-US" dirty="0"/>
               <a:pPr/>
-              <a:t>2022-01-28</a:t>
+              <a:t>2022-05-07</a:t>
             </a:fld>
             <a:endParaRPr lang="en-US" dirty="0"/>
           </a:p>
@@ -1593,7 +1609,7 @@
           </a:lstStyle>
           <a:p>
             <a:r>
-              <a:rPr lang="cs-CZ" smtClean="0"/>
+              <a:rPr lang="cs-CZ"/>
               <a:t>Kliknutím lze upravit styl.</a:t>
             </a:r>
             <a:endParaRPr lang="en-US" dirty="0"/>
@@ -1716,7 +1732,7 @@
           <a:p>
             <a:pPr lvl="0"/>
             <a:r>
-              <a:rPr lang="cs-CZ" smtClean="0"/>
+              <a:rPr lang="cs-CZ"/>
               <a:t>Kliknutím lze upravit styly předlohy textu.</a:t>
             </a:r>
           </a:p>
@@ -1740,7 +1756,7 @@
             <a:fld id="{B61BEF0D-F0BB-DE4B-95CE-6DB70DBA9567}" type="datetimeFigureOut">
               <a:rPr lang="en-US" dirty="0"/>
               <a:pPr/>
-              <a:t>2022-01-28</a:t>
+              <a:t>2022-05-07</a:t>
             </a:fld>
             <a:endParaRPr lang="en-US" dirty="0"/>
           </a:p>
@@ -1841,7 +1857,7 @@
           </a:lstStyle>
           <a:p>
             <a:r>
-              <a:rPr lang="cs-CZ" smtClean="0"/>
+              <a:rPr lang="cs-CZ"/>
               <a:t>Kliknutím lze upravit styl.</a:t>
             </a:r>
             <a:endParaRPr lang="en-US" dirty="0"/>
@@ -1905,7 +1921,7 @@
           <a:p>
             <a:pPr lvl="0"/>
             <a:r>
-              <a:rPr lang="cs-CZ" smtClean="0"/>
+              <a:rPr lang="cs-CZ"/>
               <a:t>Kliknutím lze upravit styly předlohy textu.</a:t>
             </a:r>
           </a:p>
@@ -2027,7 +2043,7 @@
           <a:p>
             <a:pPr lvl="0"/>
             <a:r>
-              <a:rPr lang="cs-CZ" smtClean="0"/>
+              <a:rPr lang="cs-CZ"/>
               <a:t>Kliknutím lze upravit styly předlohy textu.</a:t>
             </a:r>
           </a:p>
@@ -2051,7 +2067,7 @@
             <a:fld id="{B61BEF0D-F0BB-DE4B-95CE-6DB70DBA9567}" type="datetimeFigureOut">
               <a:rPr lang="en-US" dirty="0"/>
               <a:pPr/>
-              <a:t>2022-01-28</a:t>
+              <a:t>2022-05-07</a:t>
             </a:fld>
             <a:endParaRPr lang="en-US" dirty="0"/>
           </a:p>
@@ -2234,7 +2250,7 @@
           </a:lstStyle>
           <a:p>
             <a:r>
-              <a:rPr lang="cs-CZ" smtClean="0"/>
+              <a:rPr lang="cs-CZ"/>
               <a:t>Kliknutím lze upravit styl.</a:t>
             </a:r>
             <a:endParaRPr lang="en-US" dirty="0"/>
@@ -2295,7 +2311,7 @@
           <a:p>
             <a:pPr lvl="0"/>
             <a:r>
-              <a:rPr lang="cs-CZ" smtClean="0"/>
+              <a:rPr lang="cs-CZ"/>
               <a:t>Kliknutím lze upravit styly předlohy textu.</a:t>
             </a:r>
           </a:p>
@@ -2417,7 +2433,7 @@
           <a:p>
             <a:pPr lvl="0"/>
             <a:r>
-              <a:rPr lang="cs-CZ" smtClean="0"/>
+              <a:rPr lang="cs-CZ"/>
               <a:t>Kliknutím lze upravit styly předlohy textu.</a:t>
             </a:r>
           </a:p>
@@ -2441,7 +2457,7 @@
             <a:fld id="{B61BEF0D-F0BB-DE4B-95CE-6DB70DBA9567}" type="datetimeFigureOut">
               <a:rPr lang="en-US" dirty="0"/>
               <a:pPr/>
-              <a:t>2022-01-28</a:t>
+              <a:t>2022-05-07</a:t>
             </a:fld>
             <a:endParaRPr lang="en-US" dirty="0"/>
           </a:p>
@@ -2531,7 +2547,7 @@
           <a:lstStyle/>
           <a:p>
             <a:r>
-              <a:rPr lang="cs-CZ" smtClean="0"/>
+              <a:rPr lang="cs-CZ"/>
               <a:t>Kliknutím lze upravit styl.</a:t>
             </a:r>
             <a:endParaRPr lang="en-US" dirty="0"/>
@@ -2555,35 +2571,35 @@
           <a:p>
             <a:pPr lvl="0"/>
             <a:r>
-              <a:rPr lang="cs-CZ" smtClean="0"/>
+              <a:rPr lang="cs-CZ"/>
               <a:t>Kliknutím lze upravit styly předlohy textu.</a:t>
             </a:r>
           </a:p>
           <a:p>
             <a:pPr lvl="1"/>
             <a:r>
-              <a:rPr lang="cs-CZ" smtClean="0"/>
+              <a:rPr lang="cs-CZ"/>
               <a:t>Druhá úroveň</a:t>
             </a:r>
           </a:p>
           <a:p>
             <a:pPr lvl="2"/>
             <a:r>
-              <a:rPr lang="cs-CZ" smtClean="0"/>
+              <a:rPr lang="cs-CZ"/>
               <a:t>Třetí úroveň</a:t>
             </a:r>
           </a:p>
           <a:p>
             <a:pPr lvl="3"/>
             <a:r>
-              <a:rPr lang="cs-CZ" smtClean="0"/>
+              <a:rPr lang="cs-CZ"/>
               <a:t>Čtvrtá úroveň</a:t>
             </a:r>
           </a:p>
           <a:p>
             <a:pPr lvl="4"/>
             <a:r>
-              <a:rPr lang="cs-CZ" smtClean="0"/>
+              <a:rPr lang="cs-CZ"/>
               <a:t>Pátá úroveň</a:t>
             </a:r>
             <a:endParaRPr lang="en-US" dirty="0"/>
@@ -2608,7 +2624,7 @@
             <a:fld id="{55C6B4A9-1611-4792-9094-5F34BCA07E0B}" type="datetimeFigureOut">
               <a:rPr lang="en-US" dirty="0"/>
               <a:pPr/>
-              <a:t>2022-01-28</a:t>
+              <a:t>2022-05-07</a:t>
             </a:fld>
             <a:endParaRPr lang="en-US" dirty="0"/>
           </a:p>
@@ -2703,7 +2719,7 @@
           <a:lstStyle/>
           <a:p>
             <a:r>
-              <a:rPr lang="cs-CZ" smtClean="0"/>
+              <a:rPr lang="cs-CZ"/>
               <a:t>Kliknutím lze upravit styl.</a:t>
             </a:r>
             <a:endParaRPr lang="en-US" dirty="0"/>
@@ -2732,35 +2748,35 @@
           <a:p>
             <a:pPr lvl="0"/>
             <a:r>
-              <a:rPr lang="cs-CZ" smtClean="0"/>
+              <a:rPr lang="cs-CZ"/>
               <a:t>Kliknutím lze upravit styly předlohy textu.</a:t>
             </a:r>
           </a:p>
           <a:p>
             <a:pPr lvl="1"/>
             <a:r>
-              <a:rPr lang="cs-CZ" smtClean="0"/>
+              <a:rPr lang="cs-CZ"/>
               <a:t>Druhá úroveň</a:t>
             </a:r>
           </a:p>
           <a:p>
             <a:pPr lvl="2"/>
             <a:r>
-              <a:rPr lang="cs-CZ" smtClean="0"/>
+              <a:rPr lang="cs-CZ"/>
               <a:t>Třetí úroveň</a:t>
             </a:r>
           </a:p>
           <a:p>
             <a:pPr lvl="3"/>
             <a:r>
-              <a:rPr lang="cs-CZ" smtClean="0"/>
+              <a:rPr lang="cs-CZ"/>
               <a:t>Čtvrtá úroveň</a:t>
             </a:r>
           </a:p>
           <a:p>
             <a:pPr lvl="4"/>
             <a:r>
-              <a:rPr lang="cs-CZ" smtClean="0"/>
+              <a:rPr lang="cs-CZ"/>
               <a:t>Pátá úroveň</a:t>
             </a:r>
             <a:endParaRPr lang="en-US" dirty="0"/>
@@ -2785,7 +2801,7 @@
             <a:fld id="{B61BEF0D-F0BB-DE4B-95CE-6DB70DBA9567}" type="datetimeFigureOut">
               <a:rPr lang="en-US" dirty="0"/>
               <a:pPr/>
-              <a:t>2022-01-28</a:t>
+              <a:t>2022-05-07</a:t>
             </a:fld>
             <a:endParaRPr lang="en-US" dirty="0"/>
           </a:p>
@@ -2881,7 +2897,7 @@
           </a:lstStyle>
           <a:p>
             <a:r>
-              <a:rPr lang="cs-CZ" smtClean="0"/>
+              <a:rPr lang="cs-CZ"/>
               <a:t>Kliknutím lze upravit styl.</a:t>
             </a:r>
             <a:endParaRPr lang="en-US" dirty="0"/>
@@ -2905,35 +2921,35 @@
           <a:p>
             <a:pPr lvl="0"/>
             <a:r>
-              <a:rPr lang="cs-CZ" smtClean="0"/>
+              <a:rPr lang="cs-CZ"/>
               <a:t>Kliknutím lze upravit styly předlohy textu.</a:t>
             </a:r>
           </a:p>
           <a:p>
             <a:pPr lvl="1"/>
             <a:r>
-              <a:rPr lang="cs-CZ" smtClean="0"/>
+              <a:rPr lang="cs-CZ"/>
               <a:t>Druhá úroveň</a:t>
             </a:r>
           </a:p>
           <a:p>
             <a:pPr lvl="2"/>
             <a:r>
-              <a:rPr lang="cs-CZ" smtClean="0"/>
+              <a:rPr lang="cs-CZ"/>
               <a:t>Třetí úroveň</a:t>
             </a:r>
           </a:p>
           <a:p>
             <a:pPr lvl="3"/>
             <a:r>
-              <a:rPr lang="cs-CZ" smtClean="0"/>
+              <a:rPr lang="cs-CZ"/>
               <a:t>Čtvrtá úroveň</a:t>
             </a:r>
           </a:p>
           <a:p>
             <a:pPr lvl="4"/>
             <a:r>
-              <a:rPr lang="cs-CZ" smtClean="0"/>
+              <a:rPr lang="cs-CZ"/>
               <a:t>Pátá úroveň</a:t>
             </a:r>
             <a:endParaRPr lang="en-US" dirty="0"/>
@@ -2958,7 +2974,7 @@
             <a:fld id="{B61BEF0D-F0BB-DE4B-95CE-6DB70DBA9567}" type="datetimeFigureOut">
               <a:rPr lang="en-US" dirty="0"/>
               <a:pPr/>
-              <a:t>2022-01-28</a:t>
+              <a:t>2022-05-07</a:t>
             </a:fld>
             <a:endParaRPr lang="en-US" dirty="0"/>
           </a:p>
@@ -3057,7 +3073,7 @@
           </a:lstStyle>
           <a:p>
             <a:r>
-              <a:rPr lang="cs-CZ" smtClean="0"/>
+              <a:rPr lang="cs-CZ"/>
               <a:t>Kliknutím lze upravit styl.</a:t>
             </a:r>
             <a:endParaRPr lang="en-US" dirty="0"/>
@@ -3178,7 +3194,7 @@
           <a:p>
             <a:pPr lvl="0"/>
             <a:r>
-              <a:rPr lang="cs-CZ" smtClean="0"/>
+              <a:rPr lang="cs-CZ"/>
               <a:t>Kliknutím lze upravit styly předlohy textu.</a:t>
             </a:r>
           </a:p>
@@ -3202,7 +3218,7 @@
             <a:fld id="{B61BEF0D-F0BB-DE4B-95CE-6DB70DBA9567}" type="datetimeFigureOut">
               <a:rPr lang="en-US" dirty="0"/>
               <a:pPr/>
-              <a:t>2022-01-28</a:t>
+              <a:t>2022-05-07</a:t>
             </a:fld>
             <a:endParaRPr lang="en-US" dirty="0"/>
           </a:p>
@@ -3292,7 +3308,7 @@
           <a:lstStyle/>
           <a:p>
             <a:r>
-              <a:rPr lang="cs-CZ" smtClean="0"/>
+              <a:rPr lang="cs-CZ"/>
               <a:t>Kliknutím lze upravit styl.</a:t>
             </a:r>
             <a:endParaRPr lang="en-US" dirty="0"/>
@@ -3321,35 +3337,35 @@
           <a:p>
             <a:pPr lvl="0"/>
             <a:r>
-              <a:rPr lang="cs-CZ" smtClean="0"/>
+              <a:rPr lang="cs-CZ"/>
               <a:t>Kliknutím lze upravit styly předlohy textu.</a:t>
             </a:r>
           </a:p>
           <a:p>
             <a:pPr lvl="1"/>
             <a:r>
-              <a:rPr lang="cs-CZ" smtClean="0"/>
+              <a:rPr lang="cs-CZ"/>
               <a:t>Druhá úroveň</a:t>
             </a:r>
           </a:p>
           <a:p>
             <a:pPr lvl="2"/>
             <a:r>
-              <a:rPr lang="cs-CZ" smtClean="0"/>
+              <a:rPr lang="cs-CZ"/>
               <a:t>Třetí úroveň</a:t>
             </a:r>
           </a:p>
           <a:p>
             <a:pPr lvl="3"/>
             <a:r>
-              <a:rPr lang="cs-CZ" smtClean="0"/>
+              <a:rPr lang="cs-CZ"/>
               <a:t>Čtvrtá úroveň</a:t>
             </a:r>
           </a:p>
           <a:p>
             <a:pPr lvl="4"/>
             <a:r>
-              <a:rPr lang="cs-CZ" smtClean="0"/>
+              <a:rPr lang="cs-CZ"/>
               <a:t>Pátá úroveň</a:t>
             </a:r>
             <a:endParaRPr lang="en-US" dirty="0"/>
@@ -3378,35 +3394,35 @@
           <a:p>
             <a:pPr lvl="0"/>
             <a:r>
-              <a:rPr lang="cs-CZ" smtClean="0"/>
+              <a:rPr lang="cs-CZ"/>
               <a:t>Kliknutím lze upravit styly předlohy textu.</a:t>
             </a:r>
           </a:p>
           <a:p>
             <a:pPr lvl="1"/>
             <a:r>
-              <a:rPr lang="cs-CZ" smtClean="0"/>
+              <a:rPr lang="cs-CZ"/>
               <a:t>Druhá úroveň</a:t>
             </a:r>
           </a:p>
           <a:p>
             <a:pPr lvl="2"/>
             <a:r>
-              <a:rPr lang="cs-CZ" smtClean="0"/>
+              <a:rPr lang="cs-CZ"/>
               <a:t>Třetí úroveň</a:t>
             </a:r>
           </a:p>
           <a:p>
             <a:pPr lvl="3"/>
             <a:r>
-              <a:rPr lang="cs-CZ" smtClean="0"/>
+              <a:rPr lang="cs-CZ"/>
               <a:t>Čtvrtá úroveň</a:t>
             </a:r>
           </a:p>
           <a:p>
             <a:pPr lvl="4"/>
             <a:r>
-              <a:rPr lang="cs-CZ" smtClean="0"/>
+              <a:rPr lang="cs-CZ"/>
               <a:t>Pátá úroveň</a:t>
             </a:r>
             <a:endParaRPr lang="en-US" dirty="0"/>
@@ -3431,7 +3447,7 @@
             <a:fld id="{EB712588-04B1-427B-82EE-E8DB90309F08}" type="datetimeFigureOut">
               <a:rPr lang="en-US" dirty="0"/>
               <a:pPr/>
-              <a:t>2022-01-28</a:t>
+              <a:t>2022-05-07</a:t>
             </a:fld>
             <a:endParaRPr lang="en-US" dirty="0"/>
           </a:p>
@@ -3525,7 +3541,7 @@
           </a:lstStyle>
           <a:p>
             <a:r>
-              <a:rPr lang="cs-CZ" smtClean="0"/>
+              <a:rPr lang="cs-CZ"/>
               <a:t>Kliknutím lze upravit styl.</a:t>
             </a:r>
             <a:endParaRPr lang="en-US" dirty="0"/>
@@ -3593,7 +3609,7 @@
           <a:p>
             <a:pPr lvl="0"/>
             <a:r>
-              <a:rPr lang="cs-CZ" smtClean="0"/>
+              <a:rPr lang="cs-CZ"/>
               <a:t>Kliknutím lze upravit styly předlohy textu.</a:t>
             </a:r>
           </a:p>
@@ -3623,35 +3639,35 @@
           <a:p>
             <a:pPr lvl="0"/>
             <a:r>
-              <a:rPr lang="cs-CZ" smtClean="0"/>
+              <a:rPr lang="cs-CZ"/>
               <a:t>Kliknutím lze upravit styly předlohy textu.</a:t>
             </a:r>
           </a:p>
           <a:p>
             <a:pPr lvl="1"/>
             <a:r>
-              <a:rPr lang="cs-CZ" smtClean="0"/>
+              <a:rPr lang="cs-CZ"/>
               <a:t>Druhá úroveň</a:t>
             </a:r>
           </a:p>
           <a:p>
             <a:pPr lvl="2"/>
             <a:r>
-              <a:rPr lang="cs-CZ" smtClean="0"/>
+              <a:rPr lang="cs-CZ"/>
               <a:t>Třetí úroveň</a:t>
             </a:r>
           </a:p>
           <a:p>
             <a:pPr lvl="3"/>
             <a:r>
-              <a:rPr lang="cs-CZ" smtClean="0"/>
+              <a:rPr lang="cs-CZ"/>
               <a:t>Čtvrtá úroveň</a:t>
             </a:r>
           </a:p>
           <a:p>
             <a:pPr lvl="4"/>
             <a:r>
-              <a:rPr lang="cs-CZ" smtClean="0"/>
+              <a:rPr lang="cs-CZ"/>
               <a:t>Pátá úroveň</a:t>
             </a:r>
             <a:endParaRPr lang="en-US" dirty="0"/>
@@ -3719,7 +3735,7 @@
           <a:p>
             <a:pPr lvl="0"/>
             <a:r>
-              <a:rPr lang="cs-CZ" smtClean="0"/>
+              <a:rPr lang="cs-CZ"/>
               <a:t>Kliknutím lze upravit styly předlohy textu.</a:t>
             </a:r>
           </a:p>
@@ -3749,35 +3765,35 @@
           <a:p>
             <a:pPr lvl="0"/>
             <a:r>
-              <a:rPr lang="cs-CZ" smtClean="0"/>
+              <a:rPr lang="cs-CZ"/>
               <a:t>Kliknutím lze upravit styly předlohy textu.</a:t>
             </a:r>
           </a:p>
           <a:p>
             <a:pPr lvl="1"/>
             <a:r>
-              <a:rPr lang="cs-CZ" smtClean="0"/>
+              <a:rPr lang="cs-CZ"/>
               <a:t>Druhá úroveň</a:t>
             </a:r>
           </a:p>
           <a:p>
             <a:pPr lvl="2"/>
             <a:r>
-              <a:rPr lang="cs-CZ" smtClean="0"/>
+              <a:rPr lang="cs-CZ"/>
               <a:t>Třetí úroveň</a:t>
             </a:r>
           </a:p>
           <a:p>
             <a:pPr lvl="3"/>
             <a:r>
-              <a:rPr lang="cs-CZ" smtClean="0"/>
+              <a:rPr lang="cs-CZ"/>
               <a:t>Čtvrtá úroveň</a:t>
             </a:r>
           </a:p>
           <a:p>
             <a:pPr lvl="4"/>
             <a:r>
-              <a:rPr lang="cs-CZ" smtClean="0"/>
+              <a:rPr lang="cs-CZ"/>
               <a:t>Pátá úroveň</a:t>
             </a:r>
             <a:endParaRPr lang="en-US" dirty="0"/>
@@ -3802,7 +3818,7 @@
             <a:fld id="{B61BEF0D-F0BB-DE4B-95CE-6DB70DBA9567}" type="datetimeFigureOut">
               <a:rPr lang="en-US" dirty="0"/>
               <a:pPr/>
-              <a:t>2022-01-28</a:t>
+              <a:t>2022-05-07</a:t>
             </a:fld>
             <a:endParaRPr lang="en-US" dirty="0"/>
           </a:p>
@@ -3897,7 +3913,7 @@
           <a:lstStyle/>
           <a:p>
             <a:r>
-              <a:rPr lang="cs-CZ" smtClean="0"/>
+              <a:rPr lang="cs-CZ"/>
               <a:t>Kliknutím lze upravit styl.</a:t>
             </a:r>
             <a:endParaRPr lang="en-US" dirty="0"/>
@@ -3922,7 +3938,7 @@
             <a:fld id="{B61BEF0D-F0BB-DE4B-95CE-6DB70DBA9567}" type="datetimeFigureOut">
               <a:rPr lang="en-US" dirty="0"/>
               <a:pPr/>
-              <a:t>2022-01-28</a:t>
+              <a:t>2022-05-07</a:t>
             </a:fld>
             <a:endParaRPr lang="en-US" dirty="0"/>
           </a:p>
@@ -4014,7 +4030,7 @@
             <a:fld id="{B61BEF0D-F0BB-DE4B-95CE-6DB70DBA9567}" type="datetimeFigureOut">
               <a:rPr lang="en-US" dirty="0"/>
               <a:pPr/>
-              <a:t>2022-01-28</a:t>
+              <a:t>2022-05-07</a:t>
             </a:fld>
             <a:endParaRPr lang="en-US" dirty="0"/>
           </a:p>
@@ -4115,7 +4131,7 @@
           </a:lstStyle>
           <a:p>
             <a:r>
-              <a:rPr lang="cs-CZ" smtClean="0"/>
+              <a:rPr lang="cs-CZ"/>
               <a:t>Kliknutím lze upravit styl.</a:t>
             </a:r>
             <a:endParaRPr lang="en-US" dirty="0"/>
@@ -4146,35 +4162,35 @@
           <a:p>
             <a:pPr lvl="0"/>
             <a:r>
-              <a:rPr lang="cs-CZ" smtClean="0"/>
+              <a:rPr lang="cs-CZ"/>
               <a:t>Kliknutím lze upravit styly předlohy textu.</a:t>
             </a:r>
           </a:p>
           <a:p>
             <a:pPr lvl="1"/>
             <a:r>
-              <a:rPr lang="cs-CZ" smtClean="0"/>
+              <a:rPr lang="cs-CZ"/>
               <a:t>Druhá úroveň</a:t>
             </a:r>
           </a:p>
           <a:p>
             <a:pPr lvl="2"/>
             <a:r>
-              <a:rPr lang="cs-CZ" smtClean="0"/>
+              <a:rPr lang="cs-CZ"/>
               <a:t>Třetí úroveň</a:t>
             </a:r>
           </a:p>
           <a:p>
             <a:pPr lvl="3"/>
             <a:r>
-              <a:rPr lang="cs-CZ" smtClean="0"/>
+              <a:rPr lang="cs-CZ"/>
               <a:t>Čtvrtá úroveň</a:t>
             </a:r>
           </a:p>
           <a:p>
             <a:pPr lvl="4"/>
             <a:r>
-              <a:rPr lang="cs-CZ" smtClean="0"/>
+              <a:rPr lang="cs-CZ"/>
               <a:t>Pátá úroveň</a:t>
             </a:r>
             <a:endParaRPr lang="en-US" dirty="0"/>
@@ -4242,7 +4258,7 @@
           <a:p>
             <a:pPr lvl="0"/>
             <a:r>
-              <a:rPr lang="cs-CZ" smtClean="0"/>
+              <a:rPr lang="cs-CZ"/>
               <a:t>Kliknutím lze upravit styly předlohy textu.</a:t>
             </a:r>
           </a:p>
@@ -4266,7 +4282,7 @@
             <a:fld id="{42A54C80-263E-416B-A8E0-580EDEADCBDC}" type="datetimeFigureOut">
               <a:rPr lang="en-US" dirty="0"/>
               <a:pPr/>
-              <a:t>2022-01-28</a:t>
+              <a:t>2022-05-07</a:t>
             </a:fld>
             <a:endParaRPr lang="en-US" dirty="0"/>
           </a:p>
@@ -4367,7 +4383,7 @@
           </a:lstStyle>
           <a:p>
             <a:r>
-              <a:rPr lang="cs-CZ" smtClean="0"/>
+              <a:rPr lang="cs-CZ"/>
               <a:t>Kliknutím lze upravit styl.</a:t>
             </a:r>
             <a:endParaRPr lang="en-US" dirty="0"/>
@@ -4434,7 +4450,7 @@
           </a:lstStyle>
           <a:p>
             <a:r>
-              <a:rPr lang="cs-CZ" smtClean="0"/>
+              <a:rPr lang="cs-CZ"/>
               <a:t>Kliknutím na ikonu přidáte obrázek.</a:t>
             </a:r>
             <a:endParaRPr lang="en-US" dirty="0"/>
@@ -4502,7 +4518,7 @@
           <a:p>
             <a:pPr lvl="0"/>
             <a:r>
-              <a:rPr lang="cs-CZ" smtClean="0"/>
+              <a:rPr lang="cs-CZ"/>
               <a:t>Kliknutím lze upravit styly předlohy textu.</a:t>
             </a:r>
           </a:p>
@@ -4526,7 +4542,7 @@
             <a:fld id="{B61BEF0D-F0BB-DE4B-95CE-6DB70DBA9567}" type="datetimeFigureOut">
               <a:rPr lang="en-US" dirty="0"/>
               <a:pPr/>
-              <a:t>2022-01-28</a:t>
+              <a:t>2022-05-07</a:t>
             </a:fld>
             <a:endParaRPr lang="en-US" dirty="0"/>
           </a:p>
@@ -5161,7 +5177,7 @@
           <a:lstStyle/>
           <a:p>
             <a:r>
-              <a:rPr lang="cs-CZ" smtClean="0"/>
+              <a:rPr lang="cs-CZ"/>
               <a:t>Kliknutím lze upravit styl.</a:t>
             </a:r>
             <a:endParaRPr lang="en-US" dirty="0"/>
@@ -5195,35 +5211,35 @@
           <a:p>
             <a:pPr lvl="0"/>
             <a:r>
-              <a:rPr lang="cs-CZ" smtClean="0"/>
+              <a:rPr lang="cs-CZ"/>
               <a:t>Kliknutím lze upravit styly předlohy textu.</a:t>
             </a:r>
           </a:p>
           <a:p>
             <a:pPr lvl="1"/>
             <a:r>
-              <a:rPr lang="cs-CZ" smtClean="0"/>
+              <a:rPr lang="cs-CZ"/>
               <a:t>Druhá úroveň</a:t>
             </a:r>
           </a:p>
           <a:p>
             <a:pPr lvl="2"/>
             <a:r>
-              <a:rPr lang="cs-CZ" smtClean="0"/>
+              <a:rPr lang="cs-CZ"/>
               <a:t>Třetí úroveň</a:t>
             </a:r>
           </a:p>
           <a:p>
             <a:pPr lvl="3"/>
             <a:r>
-              <a:rPr lang="cs-CZ" smtClean="0"/>
+              <a:rPr lang="cs-CZ"/>
               <a:t>Čtvrtá úroveň</a:t>
             </a:r>
           </a:p>
           <a:p>
             <a:pPr lvl="4"/>
             <a:r>
-              <a:rPr lang="cs-CZ" smtClean="0"/>
+              <a:rPr lang="cs-CZ"/>
               <a:t>Pátá úroveň</a:t>
             </a:r>
             <a:endParaRPr lang="en-US" dirty="0"/>
@@ -5266,7 +5282,7 @@
             <a:fld id="{B61BEF0D-F0BB-DE4B-95CE-6DB70DBA9567}" type="datetimeFigureOut">
               <a:rPr lang="en-US" dirty="0"/>
               <a:pPr/>
-              <a:t>2022-01-28</a:t>
+              <a:t>2022-05-07</a:t>
             </a:fld>
             <a:endParaRPr lang="en-US" dirty="0"/>
           </a:p>
@@ -5802,7 +5818,7 @@
           <a:lstStyle/>
           <a:p>
             <a:r>
-              <a:rPr lang="cs-CZ" dirty="0" err="1" smtClean="0"/>
+              <a:rPr lang="cs-CZ" dirty="0" err="1"/>
               <a:t>CoronaTracker</a:t>
             </a:r>
             <a:endParaRPr lang="cs-CZ" dirty="0"/>
@@ -5825,10 +5841,9 @@
           <a:lstStyle/>
           <a:p>
             <a:r>
-              <a:rPr lang="cs-CZ" dirty="0" smtClean="0"/>
+              <a:rPr lang="cs-CZ" dirty="0"/>
               <a:t>Daniel Iliev</a:t>
             </a:r>
-            <a:endParaRPr lang="cs-CZ" dirty="0"/>
           </a:p>
         </p:txBody>
       </p:sp>
@@ -5859,20 +5874,13 @@
     </p:spTree>
     <p:extLst>
       <p:ext uri="{BB962C8B-B14F-4D97-AF65-F5344CB8AC3E}">
-        <p14:creationId xmlns:p14="http://schemas.microsoft.com/office/powerpoint/2010/main" xmlns="" val="365546243"/>
+        <p14:creationId xmlns:p14="http://schemas.microsoft.com/office/powerpoint/2010/main" val="365546243"/>
       </p:ext>
     </p:extLst>
   </p:cSld>
   <p:clrMapOvr>
     <a:masterClrMapping/>
   </p:clrMapOvr>
-  <p:timing>
-    <p:tnLst>
-      <p:par>
-        <p:cTn id="1" dur="indefinite" restart="never" nodeType="tmRoot"/>
-      </p:par>
-    </p:tnLst>
-  </p:timing>
 </p:sld>
 </file>
 
@@ -5909,7 +5917,7 @@
           <a:lstStyle/>
           <a:p>
             <a:r>
-              <a:rPr lang="cs-CZ" dirty="0" smtClean="0"/>
+              <a:rPr lang="cs-CZ" dirty="0"/>
               <a:t>Snímky z aplikace</a:t>
             </a:r>
             <a:endParaRPr lang="en-US" dirty="0"/>
@@ -5918,7 +5926,7 @@
       </p:sp>
       <p:pic>
         <p:nvPicPr>
-          <p:cNvPr id="5" name="Zástupný symbol pro obrázek 4" descr="final_final_db.png"/>
+          <p:cNvPr id="5" name="Zástupný symbol pro obrázek 4" descr="report.png"/>
           <p:cNvPicPr>
             <a:picLocks noGrp="1" noChangeAspect="1"/>
           </p:cNvPicPr>
@@ -5934,8 +5942,8 @@
         </p:blipFill>
         <p:spPr>
           <a:xfrm>
-            <a:off x="2242524" y="1003843"/>
-            <a:ext cx="5159099" cy="3526968"/>
+            <a:off x="2703843" y="1020425"/>
+            <a:ext cx="4306556" cy="3287939"/>
           </a:xfrm>
           <a:prstGeom prst="rect">
             <a:avLst/>
@@ -5962,8 +5970,8 @@
           <a:lstStyle/>
           <a:p>
             <a:r>
-              <a:rPr lang="cs-CZ" dirty="0" smtClean="0"/>
-              <a:t>Rozvržení ER diagramu databáze</a:t>
+              <a:rPr lang="cs-CZ" dirty="0"/>
+              <a:t>Zpráva na Discordu z nahlašovacího systému</a:t>
             </a:r>
             <a:endParaRPr lang="en-US" dirty="0"/>
           </a:p>
@@ -6010,61 +6018,51 @@
           <a:lstStyle/>
           <a:p>
             <a:r>
-              <a:rPr lang="cs-CZ" dirty="0" smtClean="0"/>
-              <a:t>Snímky z aplikace</a:t>
-            </a:r>
-            <a:endParaRPr lang="en-US" dirty="0"/>
-          </a:p>
-        </p:txBody>
-      </p:sp>
-      <p:pic>
-        <p:nvPicPr>
-          <p:cNvPr id="5" name="Zástupný symbol pro obrázek 4" descr="report.png"/>
-          <p:cNvPicPr>
-            <a:picLocks noGrp="1" noChangeAspect="1"/>
-          </p:cNvPicPr>
-          <p:nvPr>
-            <p:ph type="pic" idx="1"/>
-          </p:nvPr>
-        </p:nvPicPr>
-        <p:blipFill>
-          <a:blip r:embed="rId2"/>
-          <a:stretch>
-            <a:fillRect/>
-          </a:stretch>
-        </p:blipFill>
-        <p:spPr>
-          <a:xfrm>
-            <a:off x="2703843" y="1020425"/>
-            <a:ext cx="4306556" cy="3287939"/>
-          </a:xfrm>
-          <a:prstGeom prst="rect">
-            <a:avLst/>
-          </a:prstGeom>
-          <a:noFill/>
-          <a:ln>
-            <a:noFill/>
-          </a:ln>
-        </p:spPr>
-      </p:pic>
-      <p:sp>
-        <p:nvSpPr>
-          <p:cNvPr id="4" name="Zástupný symbol pro text 3"/>
-          <p:cNvSpPr>
-            <a:spLocks noGrp="1"/>
-          </p:cNvSpPr>
-          <p:nvPr>
-            <p:ph type="body" sz="half" idx="2"/>
-          </p:nvPr>
-        </p:nvSpPr>
-        <p:spPr/>
-        <p:txBody>
-          <a:bodyPr/>
-          <a:lstStyle/>
-          <a:p>
-            <a:r>
-              <a:rPr lang="cs-CZ" dirty="0" smtClean="0"/>
-              <a:t>Zpráva na Discordu z nahlašovacího systému</a:t>
+              <a:rPr lang="cs-CZ" dirty="0"/>
+              <a:t>Závěr</a:t>
+            </a:r>
+            <a:endParaRPr lang="en-US" dirty="0"/>
+          </a:p>
+        </p:txBody>
+      </p:sp>
+      <p:sp>
+        <p:nvSpPr>
+          <p:cNvPr id="3" name="Zástupný symbol pro obsah 2"/>
+          <p:cNvSpPr>
+            <a:spLocks noGrp="1"/>
+          </p:cNvSpPr>
+          <p:nvPr>
+            <p:ph idx="1"/>
+          </p:nvPr>
+        </p:nvSpPr>
+        <p:spPr/>
+        <p:txBody>
+          <a:bodyPr/>
+          <a:lstStyle/>
+          <a:p>
+            <a:r>
+              <a:rPr lang="en-US" dirty="0"/>
+              <a:t>Jak</a:t>
+            </a:r>
+            <a:r>
+              <a:rPr lang="cs-CZ" dirty="0"/>
+              <a:t>á část práce pro Vás byla nejtěžší?</a:t>
+            </a:r>
+          </a:p>
+          <a:p>
+            <a:r>
+              <a:rPr lang="cs-CZ" dirty="0"/>
+              <a:t>Jakým způsobem jste navrhoval myšlenkovou mapu aplikace?</a:t>
+            </a:r>
+          </a:p>
+          <a:p>
+            <a:r>
+              <a:rPr lang="cs-CZ" dirty="0"/>
+              <a:t>Budete aplikaci nabízet </a:t>
+            </a:r>
+            <a:r>
+              <a:rPr lang="cs-CZ"/>
+              <a:t>zdravotnickým zařízením?</a:t>
             </a:r>
             <a:endParaRPr lang="en-US" dirty="0"/>
           </a:p>
@@ -6111,10 +6109,9 @@
           <a:lstStyle/>
           <a:p>
             <a:r>
-              <a:rPr lang="cs-CZ" dirty="0" smtClean="0"/>
+              <a:rPr lang="cs-CZ" dirty="0"/>
               <a:t>Využité zdroje - informativní</a:t>
             </a:r>
-            <a:endParaRPr lang="cs-CZ" dirty="0"/>
           </a:p>
         </p:txBody>
       </p:sp>
@@ -6135,73 +6132,73 @@
           <a:p>
             <a:pPr lvl="0"/>
             <a:r>
-              <a:rPr lang="en-US" dirty="0" smtClean="0"/>
+              <a:rPr lang="en-US" dirty="0"/>
               <a:t>Wikipedia [online]. [cit. 2022-01-25]. Dostupné z: </a:t>
             </a:r>
             <a:r>
-              <a:rPr lang="en-US" u="sng" dirty="0" smtClean="0">
+              <a:rPr lang="en-US" u="sng" dirty="0">
                 <a:hlinkClick r:id="rId2"/>
               </a:rPr>
               <a:t>https://cs.wikipedia.org</a:t>
             </a:r>
-            <a:endParaRPr lang="en-US" dirty="0" smtClean="0"/>
+            <a:endParaRPr lang="en-US" dirty="0"/>
           </a:p>
           <a:p>
             <a:pPr lvl="0"/>
             <a:r>
-              <a:rPr lang="en-US" dirty="0" smtClean="0"/>
+              <a:rPr lang="en-US" dirty="0"/>
               <a:t>Patria [online]. [cit. 2022-01-25]. Dostupné z: </a:t>
             </a:r>
             <a:r>
-              <a:rPr lang="en-US" u="sng" dirty="0" smtClean="0">
+              <a:rPr lang="en-US" u="sng" dirty="0">
                 <a:hlinkClick r:id="rId3"/>
               </a:rPr>
               <a:t>https://www.patria.cz</a:t>
             </a:r>
-            <a:endParaRPr lang="en-US" dirty="0" smtClean="0"/>
+            <a:endParaRPr lang="en-US" dirty="0"/>
           </a:p>
           <a:p>
             <a:pPr lvl="0"/>
             <a:r>
-              <a:rPr lang="en-US" dirty="0" smtClean="0"/>
+              <a:rPr lang="en-US" dirty="0"/>
               <a:t>Dummies [online]. [cit. 2022-01-25]. Dostupné z: </a:t>
             </a:r>
             <a:r>
-              <a:rPr lang="en-US" u="sng" dirty="0" smtClean="0">
+              <a:rPr lang="en-US" u="sng" dirty="0">
                 <a:hlinkClick r:id="rId4"/>
               </a:rPr>
               <a:t>www.dummies.com</a:t>
             </a:r>
-            <a:endParaRPr lang="en-US" dirty="0" smtClean="0"/>
+            <a:endParaRPr lang="en-US" dirty="0"/>
           </a:p>
           <a:p>
             <a:pPr lvl="0"/>
             <a:r>
-              <a:rPr lang="en-US" dirty="0" smtClean="0"/>
+              <a:rPr lang="en-US" dirty="0"/>
               <a:t>MayoClinic [online]. [cit. 2022-01-25]. Dostupné z: </a:t>
             </a:r>
             <a:r>
-              <a:rPr lang="en-US" u="sng" dirty="0" smtClean="0">
+              <a:rPr lang="en-US" u="sng" dirty="0">
                 <a:hlinkClick r:id="rId5"/>
               </a:rPr>
               <a:t>https://www.mayoclinic.org</a:t>
             </a:r>
-            <a:endParaRPr lang="en-US" dirty="0" smtClean="0"/>
+            <a:endParaRPr lang="en-US" dirty="0"/>
           </a:p>
           <a:p>
             <a:pPr lvl="0"/>
             <a:r>
-              <a:rPr lang="en-US" dirty="0" smtClean="0"/>
+              <a:rPr lang="en-US" dirty="0"/>
               <a:t>World Health Organization [online]. [cit. 2022-01-25]. Dostupné z: </a:t>
             </a:r>
             <a:r>
-              <a:rPr lang="en-US" u="sng" dirty="0" smtClean="0">
+              <a:rPr lang="en-US" u="sng" dirty="0">
                 <a:hlinkClick r:id="rId6"/>
               </a:rPr>
               <a:t>https://www.who.int</a:t>
             </a:r>
             <a:r>
-              <a:rPr lang="en-US" dirty="0" smtClean="0"/>
+              <a:rPr lang="en-US" dirty="0"/>
               <a:t> </a:t>
             </a:r>
           </a:p>
@@ -6210,20 +6207,13 @@
     </p:spTree>
     <p:extLst>
       <p:ext uri="{BB962C8B-B14F-4D97-AF65-F5344CB8AC3E}">
-        <p14:creationId xmlns:p14="http://schemas.microsoft.com/office/powerpoint/2010/main" xmlns="" val="3695855082"/>
+        <p14:creationId xmlns:p14="http://schemas.microsoft.com/office/powerpoint/2010/main" val="3695855082"/>
       </p:ext>
     </p:extLst>
   </p:cSld>
   <p:clrMapOvr>
     <a:masterClrMapping/>
   </p:clrMapOvr>
-  <p:timing>
-    <p:tnLst>
-      <p:par>
-        <p:cTn id="1" dur="indefinite" restart="never" nodeType="tmRoot"/>
-      </p:par>
-    </p:tnLst>
-  </p:timing>
 </p:sld>
 </file>
 
@@ -6260,7 +6250,7 @@
           <a:lstStyle/>
           <a:p>
             <a:r>
-              <a:rPr lang="cs-CZ" dirty="0" smtClean="0"/>
+              <a:rPr lang="cs-CZ" dirty="0"/>
               <a:t>Využité zdroje - aplikační</a:t>
             </a:r>
             <a:endParaRPr lang="en-US" dirty="0"/>
@@ -6286,117 +6276,117 @@
           <a:p>
             <a:pPr lvl="0"/>
             <a:r>
-              <a:rPr lang="en-US" dirty="0" smtClean="0"/>
+              <a:rPr lang="en-US" dirty="0"/>
               <a:t>CitacePro [online]. [cit. 2022-01-25]. Dostupné z: </a:t>
             </a:r>
             <a:r>
-              <a:rPr lang="en-US" u="sng" dirty="0" smtClean="0">
+              <a:rPr lang="en-US" u="sng" dirty="0">
                 <a:hlinkClick r:id="rId2"/>
               </a:rPr>
               <a:t>https://www.citacepro.com</a:t>
             </a:r>
             <a:r>
-              <a:rPr lang="en-US" dirty="0" smtClean="0"/>
+              <a:rPr lang="en-US" dirty="0"/>
               <a:t> </a:t>
             </a:r>
           </a:p>
           <a:p>
             <a:pPr lvl="0"/>
             <a:r>
-              <a:rPr lang="en-US" dirty="0" smtClean="0"/>
+              <a:rPr lang="en-US" dirty="0"/>
               <a:t>Visual Studio 2017 [software]. [cit. 2022-01-25]. Verze 16.11.4. Dostupné z: </a:t>
             </a:r>
             <a:r>
-              <a:rPr lang="en-US" u="sng" dirty="0" smtClean="0">
+              <a:rPr lang="en-US" u="sng" dirty="0">
                 <a:hlinkClick r:id="rId3"/>
               </a:rPr>
               <a:t>https://visualstudio.microsoft.com/vs/</a:t>
             </a:r>
-            <a:endParaRPr lang="en-US" dirty="0" smtClean="0"/>
+            <a:endParaRPr lang="en-US" dirty="0"/>
           </a:p>
           <a:p>
             <a:pPr lvl="0"/>
             <a:r>
-              <a:rPr lang="en-US" dirty="0" smtClean="0"/>
+              <a:rPr lang="en-US" dirty="0"/>
               <a:t>Visual Studio 2022 [software]. [cit. 2022-01-25]. Verze 17.0.5. Dostupné z: </a:t>
             </a:r>
             <a:r>
-              <a:rPr lang="en-US" u="sng" dirty="0" smtClean="0">
+              <a:rPr lang="en-US" u="sng" dirty="0">
                 <a:hlinkClick r:id="rId3"/>
               </a:rPr>
               <a:t>https://visualstudio.microsoft.com/vs/</a:t>
             </a:r>
-            <a:endParaRPr lang="en-US" dirty="0" smtClean="0"/>
+            <a:endParaRPr lang="en-US" dirty="0"/>
           </a:p>
           <a:p>
             <a:pPr lvl="0"/>
             <a:r>
-              <a:rPr lang="en-US" dirty="0" smtClean="0"/>
+              <a:rPr lang="en-US" dirty="0"/>
               <a:t>Microsoft Word 2007 [software]. [cit. 2022-01-25]. Dostupné z: CD-ROM</a:t>
             </a:r>
           </a:p>
           <a:p>
             <a:pPr lvl="0"/>
             <a:r>
-              <a:rPr lang="en-US" dirty="0" smtClean="0"/>
+              <a:rPr lang="en-US" dirty="0"/>
               <a:t>PhpMyAdmin [online]. [cit. 2022-01-25]. Dostupné z: </a:t>
             </a:r>
             <a:r>
-              <a:rPr lang="en-US" u="sng" dirty="0" smtClean="0">
+              <a:rPr lang="en-US" u="sng" dirty="0">
                 <a:hlinkClick r:id="rId4"/>
               </a:rPr>
               <a:t>https://www.phpmyadmin.net</a:t>
             </a:r>
             <a:r>
-              <a:rPr lang="en-US" dirty="0" smtClean="0"/>
+              <a:rPr lang="en-US" dirty="0"/>
               <a:t> </a:t>
             </a:r>
           </a:p>
           <a:p>
             <a:pPr lvl="0"/>
             <a:r>
-              <a:rPr lang="en-US" dirty="0" smtClean="0"/>
+              <a:rPr lang="en-US" dirty="0"/>
               <a:t>Typora [software]. [cit. 2022-01-25]. Verze 0.11.17 (beta). Dostupné z: </a:t>
             </a:r>
             <a:r>
-              <a:rPr lang="en-US" u="sng" dirty="0" smtClean="0">
+              <a:rPr lang="en-US" u="sng" dirty="0">
                 <a:hlinkClick r:id="rId5"/>
               </a:rPr>
               <a:t>https://typora.io</a:t>
             </a:r>
-            <a:endParaRPr lang="en-US" dirty="0" smtClean="0"/>
+            <a:endParaRPr lang="en-US" dirty="0"/>
           </a:p>
           <a:p>
             <a:pPr lvl="0"/>
             <a:r>
-              <a:rPr lang="en-US" dirty="0" smtClean="0"/>
+              <a:rPr lang="en-US" dirty="0"/>
               <a:t>Visual Studio Code [software]. [cit. 2022-01-25]. Verze 1.63.2. Dostupné z: </a:t>
             </a:r>
             <a:r>
-              <a:rPr lang="en-US" u="sng" dirty="0" smtClean="0">
+              <a:rPr lang="en-US" u="sng" dirty="0">
                 <a:hlinkClick r:id="rId6"/>
               </a:rPr>
               <a:t>https://code.visualstudio.com</a:t>
             </a:r>
             <a:r>
-              <a:rPr lang="en-US" dirty="0" smtClean="0"/>
+              <a:rPr lang="en-US" dirty="0"/>
               <a:t> </a:t>
             </a:r>
           </a:p>
           <a:p>
             <a:pPr lvl="0"/>
             <a:r>
-              <a:rPr lang="en-US" dirty="0" smtClean="0"/>
+              <a:rPr lang="en-US" dirty="0"/>
               <a:t>Covid-19 data [online]. [cit. 2022-01-25]. Dostupné z: </a:t>
             </a:r>
             <a:r>
-              <a:rPr lang="en-US" u="sng" dirty="0" smtClean="0">
+              <a:rPr lang="en-US" u="sng" dirty="0">
                 <a:hlinkClick r:id="rId7"/>
               </a:rPr>
               <a:t>https://rapidapi.com/Gramzivi/api/covid-19-data/</a:t>
             </a:r>
             <a:r>
-              <a:rPr lang="en-US" dirty="0" smtClean="0"/>
+              <a:rPr lang="en-US" dirty="0"/>
               <a:t> </a:t>
             </a:r>
           </a:p>
@@ -6424,119 +6414,119 @@
           <a:p>
             <a:pPr lvl="0"/>
             <a:r>
-              <a:rPr lang="en-US" dirty="0" smtClean="0"/>
+              <a:rPr lang="en-US" dirty="0"/>
               <a:t>Flaticon [online]. [cit. 2022-01-25]. Dostupné z: </a:t>
             </a:r>
             <a:r>
-              <a:rPr lang="en-US" u="sng" dirty="0" smtClean="0">
+              <a:rPr lang="en-US" u="sng" dirty="0">
                 <a:hlinkClick r:id="rId8"/>
               </a:rPr>
               <a:t>https://www.flaticon.com</a:t>
             </a:r>
             <a:r>
-              <a:rPr lang="en-US" dirty="0" smtClean="0"/>
+              <a:rPr lang="en-US" dirty="0"/>
               <a:t> </a:t>
             </a:r>
           </a:p>
           <a:p>
             <a:pPr lvl="0"/>
             <a:r>
-              <a:rPr lang="en-US" dirty="0" smtClean="0"/>
+              <a:rPr lang="en-US" dirty="0"/>
               <a:t>Github [online]. [cit. 2022-01-25]. Dostupné z: </a:t>
             </a:r>
             <a:r>
-              <a:rPr lang="en-US" u="sng" dirty="0" smtClean="0">
+              <a:rPr lang="en-US" u="sng" dirty="0">
                 <a:hlinkClick r:id="rId9"/>
               </a:rPr>
               <a:t>https://github.com</a:t>
             </a:r>
             <a:r>
-              <a:rPr lang="en-US" dirty="0" smtClean="0"/>
+              <a:rPr lang="en-US" dirty="0"/>
               <a:t> </a:t>
             </a:r>
           </a:p>
           <a:p>
             <a:pPr lvl="0"/>
             <a:r>
-              <a:rPr lang="en-US" dirty="0" smtClean="0"/>
+              <a:rPr lang="en-US" dirty="0"/>
               <a:t>Github Desktop [software]. [cit. 2022-01-25].  Verze 2.9.6. Dostupné z: </a:t>
             </a:r>
             <a:r>
-              <a:rPr lang="en-US" u="sng" dirty="0" smtClean="0">
+              <a:rPr lang="en-US" u="sng" dirty="0">
                 <a:hlinkClick r:id="rId10"/>
               </a:rPr>
               <a:t>https://desktop.github.com</a:t>
             </a:r>
             <a:r>
-              <a:rPr lang="en-US" dirty="0" smtClean="0"/>
+              <a:rPr lang="en-US" dirty="0"/>
               <a:t> </a:t>
             </a:r>
           </a:p>
           <a:p>
             <a:pPr lvl="0"/>
             <a:r>
-              <a:rPr lang="en-US" dirty="0" smtClean="0"/>
+              <a:rPr lang="en-US" dirty="0"/>
               <a:t>StackOverFlow [online]. [cit. 2022-01-25]. Dostupné z: </a:t>
             </a:r>
             <a:r>
-              <a:rPr lang="en-US" u="sng" dirty="0" smtClean="0">
+              <a:rPr lang="en-US" u="sng" dirty="0">
                 <a:hlinkClick r:id="rId11"/>
               </a:rPr>
               <a:t>https://stackoverflow.com</a:t>
             </a:r>
             <a:r>
-              <a:rPr lang="en-US" dirty="0" smtClean="0"/>
+              <a:rPr lang="en-US" dirty="0"/>
               <a:t> </a:t>
             </a:r>
           </a:p>
           <a:p>
             <a:pPr lvl="0"/>
             <a:r>
-              <a:rPr lang="en-US" dirty="0" smtClean="0"/>
+              <a:rPr lang="en-US" dirty="0"/>
               <a:t>W3Schools [online]. [cit. 2022-01-25]. Dostupné z: </a:t>
             </a:r>
             <a:r>
-              <a:rPr lang="en-US" u="sng" dirty="0" smtClean="0">
+              <a:rPr lang="en-US" u="sng" dirty="0">
                 <a:hlinkClick r:id="rId12"/>
               </a:rPr>
               <a:t>https://www.w3schools.com</a:t>
             </a:r>
             <a:r>
-              <a:rPr lang="en-US" dirty="0" smtClean="0"/>
+              <a:rPr lang="en-US" dirty="0"/>
               <a:t> </a:t>
             </a:r>
           </a:p>
           <a:p>
             <a:pPr lvl="0"/>
             <a:r>
-              <a:rPr lang="en-US" dirty="0" smtClean="0"/>
+              <a:rPr lang="en-US" dirty="0"/>
               <a:t>Mockaroo [online]. [cit. 2022-01-25]. Dostupné z: </a:t>
             </a:r>
             <a:r>
-              <a:rPr lang="en-US" u="sng" dirty="0" smtClean="0">
+              <a:rPr lang="en-US" u="sng" dirty="0">
                 <a:hlinkClick r:id="rId13"/>
               </a:rPr>
               <a:t>https://www.mockaroo.com</a:t>
             </a:r>
             <a:r>
-              <a:rPr lang="en-US" dirty="0" smtClean="0"/>
+              <a:rPr lang="en-US" dirty="0"/>
               <a:t> </a:t>
             </a:r>
           </a:p>
           <a:p>
             <a:pPr lvl="0"/>
             <a:r>
-              <a:rPr lang="en-US" dirty="0" smtClean="0"/>
+              <a:rPr lang="en-US" dirty="0"/>
               <a:t>QR Code Generator [online]. [cit. 2022-01-25]. Dostupné z: </a:t>
             </a:r>
             <a:r>
-              <a:rPr lang="en-US" u="sng" dirty="0" smtClean="0">
+              <a:rPr lang="en-US" u="sng" dirty="0">
                 <a:hlinkClick r:id="rId14"/>
               </a:rPr>
               <a:t>https://goqr.me/api/</a:t>
             </a:r>
             <a:r>
-              <a:rPr lang="en-US" dirty="0" smtClean="0"/>
+              <a:rPr lang="en-US" dirty="0"/>
               <a:t> </a:t>
             </a:r>
           </a:p>
@@ -6586,7 +6576,7 @@
           <a:lstStyle/>
           <a:p>
             <a:r>
-              <a:rPr lang="cs-CZ" dirty="0" smtClean="0"/>
+              <a:rPr lang="cs-CZ" dirty="0"/>
               <a:t>Děkuji za pozornost</a:t>
             </a:r>
             <a:endParaRPr lang="en-US" dirty="0"/>
@@ -6653,10 +6643,9 @@
           <a:lstStyle/>
           <a:p>
             <a:r>
-              <a:rPr lang="cs-CZ" dirty="0" smtClean="0"/>
+              <a:rPr lang="cs-CZ" dirty="0"/>
               <a:t>Obsah prezentace</a:t>
             </a:r>
-            <a:endParaRPr lang="cs-CZ" dirty="0"/>
           </a:p>
         </p:txBody>
       </p:sp>
@@ -6679,61 +6668,46 @@
               <a:rPr lang="cs-CZ" dirty="0"/>
               <a:t>Úvod do problematiky</a:t>
             </a:r>
-            <a:endParaRPr lang="cs-CZ" dirty="0" smtClean="0"/>
-          </a:p>
-          <a:p>
-            <a:r>
-              <a:rPr lang="cs-CZ" dirty="0" smtClean="0"/>
+          </a:p>
+          <a:p>
+            <a:r>
+              <a:rPr lang="cs-CZ" dirty="0"/>
               <a:t>Teoretická část</a:t>
             </a:r>
           </a:p>
           <a:p>
             <a:r>
-              <a:rPr lang="cs-CZ" dirty="0" smtClean="0"/>
-              <a:t>Využité </a:t>
-            </a:r>
-            <a:r>
-              <a:rPr lang="cs-CZ" dirty="0" smtClean="0"/>
-              <a:t>technologie</a:t>
-            </a:r>
-          </a:p>
-          <a:p>
-            <a:r>
-              <a:rPr lang="cs-CZ" dirty="0" smtClean="0"/>
-              <a:t>Problémy </a:t>
-            </a:r>
-            <a:r>
-              <a:rPr lang="cs-CZ" dirty="0" smtClean="0"/>
-              <a:t>s </a:t>
-            </a:r>
-            <a:r>
-              <a:rPr lang="cs-CZ" dirty="0" smtClean="0"/>
-              <a:t>vývojem</a:t>
-            </a:r>
-          </a:p>
-          <a:p>
-            <a:r>
-              <a:rPr lang="cs-CZ" dirty="0" smtClean="0"/>
+              <a:rPr lang="cs-CZ" dirty="0"/>
+              <a:t>Využité technologie</a:t>
+            </a:r>
+          </a:p>
+          <a:p>
+            <a:r>
+              <a:rPr lang="cs-CZ" dirty="0"/>
+              <a:t>Problémy s vývojem</a:t>
+            </a:r>
+          </a:p>
+          <a:p>
+            <a:r>
+              <a:rPr lang="cs-CZ" dirty="0"/>
               <a:t>Snímky z aplikace</a:t>
             </a:r>
-            <a:endParaRPr lang="cs-CZ" dirty="0" smtClean="0"/>
-          </a:p>
-          <a:p>
-            <a:r>
-              <a:rPr lang="cs-CZ" dirty="0" smtClean="0"/>
+          </a:p>
+          <a:p>
+            <a:r>
+              <a:rPr lang="cs-CZ" dirty="0"/>
               <a:t>Závěr</a:t>
             </a:r>
-            <a:endParaRPr lang="cs-CZ" dirty="0" smtClean="0"/>
-          </a:p>
-          <a:p>
-            <a:r>
-              <a:rPr lang="cs-CZ" dirty="0" smtClean="0"/>
+          </a:p>
+          <a:p>
+            <a:r>
+              <a:rPr lang="cs-CZ" dirty="0"/>
               <a:t>Využité zdroje – informativní</a:t>
             </a:r>
           </a:p>
           <a:p>
             <a:r>
-              <a:rPr lang="cs-CZ" dirty="0" smtClean="0"/>
+              <a:rPr lang="cs-CZ" dirty="0"/>
               <a:t>Využité zdroje – aplikační</a:t>
             </a:r>
           </a:p>
@@ -6742,20 +6716,13 @@
     </p:spTree>
     <p:extLst>
       <p:ext uri="{BB962C8B-B14F-4D97-AF65-F5344CB8AC3E}">
-        <p14:creationId xmlns:p14="http://schemas.microsoft.com/office/powerpoint/2010/main" xmlns="" val="1846679383"/>
+        <p14:creationId xmlns:p14="http://schemas.microsoft.com/office/powerpoint/2010/main" val="1846679383"/>
       </p:ext>
     </p:extLst>
   </p:cSld>
   <p:clrMapOvr>
     <a:masterClrMapping/>
   </p:clrMapOvr>
-  <p:timing>
-    <p:tnLst>
-      <p:par>
-        <p:cTn id="1" dur="indefinite" restart="never" nodeType="tmRoot"/>
-      </p:par>
-    </p:tnLst>
-  </p:timing>
 </p:sld>
 </file>
 
@@ -6792,10 +6759,9 @@
           <a:lstStyle/>
           <a:p>
             <a:r>
-              <a:rPr lang="cs-CZ" dirty="0" smtClean="0"/>
+              <a:rPr lang="cs-CZ" dirty="0"/>
               <a:t>Úvod do problematiky</a:t>
             </a:r>
-            <a:endParaRPr lang="cs-CZ" dirty="0"/>
           </a:p>
         </p:txBody>
       </p:sp>
@@ -6815,40 +6781,28 @@
           <a:lstStyle/>
           <a:p>
             <a:r>
-              <a:rPr lang="cs-CZ" dirty="0" smtClean="0"/>
-              <a:t>Proč jsem si dané téma vybral</a:t>
-            </a:r>
-            <a:r>
-              <a:rPr lang="cs-CZ" dirty="0" smtClean="0"/>
-              <a:t>?</a:t>
-            </a:r>
-          </a:p>
-          <a:p>
-            <a:r>
-              <a:rPr lang="cs-CZ" dirty="0" smtClean="0"/>
+              <a:rPr lang="cs-CZ" dirty="0"/>
+              <a:t>Proč jsem si dané téma vybral?</a:t>
+            </a:r>
+          </a:p>
+          <a:p>
+            <a:r>
+              <a:rPr lang="cs-CZ" dirty="0"/>
               <a:t>Cíl mého projektu</a:t>
             </a:r>
-            <a:endParaRPr lang="cs-CZ" dirty="0"/>
           </a:p>
         </p:txBody>
       </p:sp>
     </p:spTree>
     <p:extLst>
       <p:ext uri="{BB962C8B-B14F-4D97-AF65-F5344CB8AC3E}">
-        <p14:creationId xmlns:p14="http://schemas.microsoft.com/office/powerpoint/2010/main" xmlns="" val="2713682985"/>
+        <p14:creationId xmlns:p14="http://schemas.microsoft.com/office/powerpoint/2010/main" val="2713682985"/>
       </p:ext>
     </p:extLst>
   </p:cSld>
   <p:clrMapOvr>
     <a:masterClrMapping/>
   </p:clrMapOvr>
-  <p:timing>
-    <p:tnLst>
-      <p:par>
-        <p:cTn id="1" dur="indefinite" restart="never" nodeType="tmRoot"/>
-      </p:par>
-    </p:tnLst>
-  </p:timing>
 </p:sld>
 </file>
 
@@ -6885,10 +6839,9 @@
           <a:lstStyle/>
           <a:p>
             <a:r>
-              <a:rPr lang="cs-CZ" dirty="0" smtClean="0"/>
+              <a:rPr lang="cs-CZ" dirty="0"/>
               <a:t>Teoretická část</a:t>
             </a:r>
-            <a:endParaRPr lang="cs-CZ" dirty="0"/>
           </a:p>
         </p:txBody>
       </p:sp>
@@ -6908,51 +6861,47 @@
           <a:lstStyle/>
           <a:p>
             <a:r>
-              <a:rPr lang="cs-CZ" dirty="0" smtClean="0"/>
+              <a:rPr lang="cs-CZ" dirty="0"/>
               <a:t>Covid-19</a:t>
             </a:r>
           </a:p>
           <a:p>
             <a:pPr lvl="1"/>
             <a:r>
-              <a:rPr lang="cs-CZ" dirty="0" smtClean="0"/>
+              <a:rPr lang="cs-CZ" dirty="0"/>
               <a:t>Nakažlivost</a:t>
             </a:r>
           </a:p>
           <a:p>
             <a:pPr lvl="1"/>
             <a:r>
-              <a:rPr lang="cs-CZ" dirty="0" smtClean="0"/>
+              <a:rPr lang="cs-CZ" dirty="0"/>
               <a:t>Vakcína</a:t>
             </a:r>
           </a:p>
           <a:p>
             <a:pPr lvl="1"/>
             <a:r>
-              <a:rPr lang="cs-CZ" dirty="0" smtClean="0"/>
+              <a:rPr lang="cs-CZ" dirty="0"/>
               <a:t>Symptomy</a:t>
             </a:r>
           </a:p>
           <a:p>
             <a:pPr lvl="1"/>
             <a:r>
-              <a:rPr lang="cs-CZ" dirty="0" smtClean="0"/>
-              <a:t>Úmrtnost a </a:t>
-            </a:r>
-            <a:r>
-              <a:rPr lang="cs-CZ" dirty="0" smtClean="0"/>
-              <a:t>smrtnost</a:t>
-            </a:r>
-          </a:p>
-          <a:p>
-            <a:r>
-              <a:rPr lang="cs-CZ" dirty="0" smtClean="0"/>
+              <a:rPr lang="cs-CZ" dirty="0"/>
+              <a:t>Úmrtnost a smrtnost</a:t>
+            </a:r>
+          </a:p>
+          <a:p>
+            <a:r>
+              <a:rPr lang="cs-CZ" dirty="0"/>
               <a:t>Vybrané programovací jazyk</a:t>
             </a:r>
           </a:p>
           <a:p>
             <a:r>
-              <a:rPr lang="cs-CZ" dirty="0" smtClean="0"/>
+              <a:rPr lang="cs-CZ" dirty="0"/>
               <a:t>Vybrané programy</a:t>
             </a:r>
           </a:p>
@@ -6961,20 +6910,13 @@
     </p:spTree>
     <p:extLst>
       <p:ext uri="{BB962C8B-B14F-4D97-AF65-F5344CB8AC3E}">
-        <p14:creationId xmlns:p14="http://schemas.microsoft.com/office/powerpoint/2010/main" xmlns="" val="1768669025"/>
+        <p14:creationId xmlns:p14="http://schemas.microsoft.com/office/powerpoint/2010/main" val="1768669025"/>
       </p:ext>
     </p:extLst>
   </p:cSld>
   <p:clrMapOvr>
     <a:masterClrMapping/>
   </p:clrMapOvr>
-  <p:timing>
-    <p:tnLst>
-      <p:par>
-        <p:cTn id="1" dur="indefinite" restart="never" nodeType="tmRoot"/>
-      </p:par>
-    </p:tnLst>
-  </p:timing>
 </p:sld>
 </file>
 
@@ -7011,12 +6953,8 @@
           <a:lstStyle/>
           <a:p>
             <a:r>
-              <a:rPr lang="cs-CZ" dirty="0" smtClean="0"/>
-              <a:t>Využité </a:t>
-            </a:r>
-            <a:r>
-              <a:rPr lang="cs-CZ" dirty="0" smtClean="0"/>
-              <a:t>technologie</a:t>
+              <a:rPr lang="cs-CZ" dirty="0"/>
+              <a:t>Využité technologie</a:t>
             </a:r>
             <a:endParaRPr lang="en-US" dirty="0"/>
           </a:p>
@@ -7038,31 +6976,31 @@
           <a:lstStyle/>
           <a:p>
             <a:r>
-              <a:rPr lang="cs-CZ" dirty="0" smtClean="0"/>
+              <a:rPr lang="cs-CZ" dirty="0"/>
               <a:t>Databázový server</a:t>
             </a:r>
           </a:p>
           <a:p>
             <a:r>
-              <a:rPr lang="cs-CZ" dirty="0" smtClean="0"/>
+              <a:rPr lang="cs-CZ" dirty="0"/>
               <a:t>Rest API</a:t>
             </a:r>
           </a:p>
           <a:p>
             <a:r>
-              <a:rPr lang="cs-CZ" dirty="0" smtClean="0"/>
+              <a:rPr lang="cs-CZ" dirty="0"/>
               <a:t>Spouštěcí parametry</a:t>
             </a:r>
           </a:p>
           <a:p>
             <a:r>
-              <a:rPr lang="cs-CZ" dirty="0" smtClean="0"/>
+              <a:rPr lang="cs-CZ" dirty="0"/>
               <a:t>Export dat do PDF</a:t>
             </a:r>
           </a:p>
           <a:p>
             <a:r>
-              <a:rPr lang="cs-CZ" dirty="0" smtClean="0"/>
+              <a:rPr lang="cs-CZ" dirty="0"/>
               <a:t>Instalátor aplikace</a:t>
             </a:r>
             <a:endParaRPr lang="en-US" dirty="0"/>
@@ -7085,31 +7023,25 @@
           <a:lstStyle/>
           <a:p>
             <a:r>
-              <a:rPr lang="cs-CZ" dirty="0" smtClean="0"/>
-              <a:t>Git, </a:t>
-            </a:r>
-            <a:r>
-              <a:rPr lang="cs-CZ" dirty="0" smtClean="0"/>
-              <a:t>Github</a:t>
-            </a:r>
-            <a:endParaRPr lang="cs-CZ" dirty="0" smtClean="0"/>
-          </a:p>
-          <a:p>
-            <a:r>
-              <a:rPr lang="cs-CZ" dirty="0" smtClean="0"/>
+              <a:rPr lang="cs-CZ" dirty="0"/>
+              <a:t>Git, Github</a:t>
+            </a:r>
+          </a:p>
+          <a:p>
+            <a:r>
+              <a:rPr lang="cs-CZ" dirty="0"/>
               <a:t>Přihlašovací systém</a:t>
             </a:r>
           </a:p>
           <a:p>
             <a:r>
-              <a:rPr lang="cs-CZ" dirty="0" smtClean="0"/>
+              <a:rPr lang="cs-CZ" dirty="0"/>
               <a:t>Logovací systém</a:t>
             </a:r>
-            <a:endParaRPr lang="cs-CZ" dirty="0" smtClean="0"/>
-          </a:p>
-          <a:p>
-            <a:r>
-              <a:rPr lang="cs-CZ" dirty="0" smtClean="0"/>
+          </a:p>
+          <a:p>
+            <a:r>
+              <a:rPr lang="cs-CZ" dirty="0"/>
               <a:t>Nahlašovací systém</a:t>
             </a:r>
             <a:endParaRPr lang="en-US" dirty="0"/>
@@ -7121,13 +7053,6 @@
   <p:clrMapOvr>
     <a:masterClrMapping/>
   </p:clrMapOvr>
-  <p:timing>
-    <p:tnLst>
-      <p:par>
-        <p:cTn id="1" dur="indefinite" restart="never" nodeType="tmRoot"/>
-      </p:par>
-    </p:tnLst>
-  </p:timing>
 </p:sld>
 </file>
 
@@ -7164,10 +7089,9 @@
           <a:lstStyle/>
           <a:p>
             <a:r>
-              <a:rPr lang="cs-CZ" dirty="0" smtClean="0"/>
+              <a:rPr lang="cs-CZ" dirty="0"/>
               <a:t>Problémy s vývojem</a:t>
             </a:r>
-            <a:endParaRPr lang="cs-CZ" dirty="0"/>
           </a:p>
         </p:txBody>
       </p:sp>
@@ -7187,48 +7111,40 @@
           <a:lstStyle/>
           <a:p>
             <a:r>
-              <a:rPr lang="cs-CZ" dirty="0" smtClean="0"/>
+              <a:rPr lang="cs-CZ" dirty="0"/>
               <a:t>Třetí strana poskytující Covid-19 data</a:t>
             </a:r>
           </a:p>
           <a:p>
             <a:r>
-              <a:rPr lang="cs-CZ" dirty="0" smtClean="0"/>
+              <a:rPr lang="cs-CZ" dirty="0"/>
               <a:t>Nahrávání na Github z třetí strany</a:t>
             </a:r>
           </a:p>
           <a:p>
             <a:r>
-              <a:rPr lang="cs-CZ" dirty="0" smtClean="0"/>
+              <a:rPr lang="cs-CZ" dirty="0"/>
               <a:t>Zavirovaný počítač</a:t>
             </a:r>
           </a:p>
           <a:p>
             <a:r>
-              <a:rPr lang="cs-CZ" dirty="0" smtClean="0"/>
+              <a:rPr lang="cs-CZ" dirty="0"/>
               <a:t>Problém s responzivitou</a:t>
             </a:r>
-            <a:endParaRPr lang="cs-CZ" dirty="0"/>
           </a:p>
         </p:txBody>
       </p:sp>
     </p:spTree>
     <p:extLst>
       <p:ext uri="{BB962C8B-B14F-4D97-AF65-F5344CB8AC3E}">
-        <p14:creationId xmlns:p14="http://schemas.microsoft.com/office/powerpoint/2010/main" xmlns="" val="2542267650"/>
+        <p14:creationId xmlns:p14="http://schemas.microsoft.com/office/powerpoint/2010/main" val="2542267650"/>
       </p:ext>
     </p:extLst>
   </p:cSld>
   <p:clrMapOvr>
     <a:masterClrMapping/>
   </p:clrMapOvr>
-  <p:timing>
-    <p:tnLst>
-      <p:par>
-        <p:cTn id="1" dur="indefinite" restart="never" nodeType="tmRoot"/>
-      </p:par>
-    </p:tnLst>
-  </p:timing>
 </p:sld>
 </file>
 
@@ -7261,116 +7177,14 @@
         </p:nvSpPr>
         <p:spPr/>
         <p:txBody>
-          <a:bodyPr/>
-          <a:lstStyle/>
-          <a:p>
-            <a:r>
-              <a:rPr lang="cs-CZ" dirty="0" smtClean="0"/>
-              <a:t>Závěr</a:t>
-            </a:r>
-            <a:endParaRPr lang="en-US" dirty="0"/>
-          </a:p>
-        </p:txBody>
-      </p:sp>
-      <p:sp>
-        <p:nvSpPr>
-          <p:cNvPr id="3" name="Zástupný symbol pro obsah 2"/>
-          <p:cNvSpPr>
-            <a:spLocks noGrp="1"/>
-          </p:cNvSpPr>
-          <p:nvPr>
-            <p:ph idx="1"/>
-          </p:nvPr>
-        </p:nvSpPr>
-        <p:spPr/>
-        <p:txBody>
-          <a:bodyPr/>
-          <a:lstStyle/>
-          <a:p>
-            <a:r>
-              <a:rPr lang="cs-CZ" dirty="0" smtClean="0"/>
-              <a:t>Splnil vývoj aplikace má očekávání?</a:t>
-            </a:r>
-            <a:endParaRPr lang="cs-CZ" dirty="0" smtClean="0"/>
-          </a:p>
-          <a:p>
-            <a:r>
-              <a:rPr lang="cs-CZ" dirty="0" smtClean="0"/>
-              <a:t>Bude mít aplikace další využití</a:t>
-            </a:r>
-            <a:r>
-              <a:rPr lang="cs-CZ" dirty="0" smtClean="0"/>
-              <a:t>?</a:t>
-            </a:r>
-          </a:p>
-          <a:p>
-            <a:r>
-              <a:rPr lang="cs-CZ" dirty="0" smtClean="0"/>
-              <a:t>Subjektivní názor na aplikaci</a:t>
-            </a:r>
-            <a:endParaRPr lang="cs-CZ" dirty="0" smtClean="0"/>
-          </a:p>
-          <a:p>
-            <a:endParaRPr lang="en-US" dirty="0"/>
-          </a:p>
-        </p:txBody>
-      </p:sp>
-    </p:spTree>
-  </p:cSld>
-  <p:clrMapOvr>
-    <a:masterClrMapping/>
-  </p:clrMapOvr>
-  <p:timing>
-    <p:tnLst>
-      <p:par>
-        <p:cTn id="1" dur="indefinite" restart="never" nodeType="tmRoot"/>
-      </p:par>
-    </p:tnLst>
-  </p:timing>
-</p:sld>
-</file>
-
-<file path=ppt/slides/slide8.xml><?xml version="1.0" encoding="utf-8"?>
-<p:sld xmlns:a="http://schemas.openxmlformats.org/drawingml/2006/main" xmlns:r="http://schemas.openxmlformats.org/officeDocument/2006/relationships" xmlns:p="http://schemas.openxmlformats.org/presentationml/2006/main">
-  <p:cSld>
-    <p:spTree>
-      <p:nvGrpSpPr>
-        <p:cNvPr id="1" name=""/>
-        <p:cNvGrpSpPr/>
-        <p:nvPr/>
-      </p:nvGrpSpPr>
-      <p:grpSpPr>
-        <a:xfrm>
-          <a:off x="0" y="0"/>
-          <a:ext cx="0" cy="0"/>
-          <a:chOff x="0" y="0"/>
-          <a:chExt cx="0" cy="0"/>
-        </a:xfrm>
-      </p:grpSpPr>
-      <p:sp>
-        <p:nvSpPr>
-          <p:cNvPr id="2" name="Nadpis 1"/>
-          <p:cNvSpPr>
-            <a:spLocks noGrp="1"/>
-          </p:cNvSpPr>
-          <p:nvPr>
-            <p:ph type="title"/>
-          </p:nvPr>
-        </p:nvSpPr>
-        <p:spPr/>
-        <p:txBody>
           <a:bodyPr>
             <a:normAutofit/>
           </a:bodyPr>
           <a:lstStyle/>
           <a:p>
             <a:r>
-              <a:rPr lang="cs-CZ" dirty="0" smtClean="0"/>
-              <a:t>Snímky z </a:t>
-            </a:r>
-            <a:r>
-              <a:rPr lang="cs-CZ" dirty="0" smtClean="0"/>
-              <a:t>aplikace</a:t>
+              <a:rPr lang="cs-CZ" dirty="0"/>
+              <a:t>Snímky z aplikace</a:t>
             </a:r>
             <a:endParaRPr lang="en-US" dirty="0"/>
           </a:p>
@@ -7422,7 +7236,7 @@
           <a:lstStyle/>
           <a:p>
             <a:r>
-              <a:rPr lang="cs-CZ" dirty="0" smtClean="0"/>
+              <a:rPr lang="cs-CZ" dirty="0"/>
               <a:t>Načítací obrazovka aplikace</a:t>
             </a:r>
             <a:endParaRPr lang="en-US" dirty="0"/>
@@ -7434,17 +7248,10 @@
   <p:clrMapOvr>
     <a:masterClrMapping/>
   </p:clrMapOvr>
-  <p:timing>
-    <p:tnLst>
-      <p:par>
-        <p:cTn id="1" dur="indefinite" restart="never" nodeType="tmRoot"/>
-      </p:par>
-    </p:tnLst>
-  </p:timing>
 </p:sld>
 </file>
 
-<file path=ppt/slides/slide9.xml><?xml version="1.0" encoding="utf-8"?>
+<file path=ppt/slides/slide8.xml><?xml version="1.0" encoding="utf-8"?>
 <p:sld xmlns:a="http://schemas.openxmlformats.org/drawingml/2006/main" xmlns:r="http://schemas.openxmlformats.org/officeDocument/2006/relationships" xmlns:p="http://schemas.openxmlformats.org/presentationml/2006/main">
   <p:cSld>
     <p:spTree>
@@ -7477,7 +7284,7 @@
           <a:lstStyle/>
           <a:p>
             <a:r>
-              <a:rPr lang="cs-CZ" dirty="0" smtClean="0"/>
+              <a:rPr lang="cs-CZ" dirty="0"/>
               <a:t>Snímky z aplikace</a:t>
             </a:r>
             <a:endParaRPr lang="en-US" dirty="0"/>
@@ -7530,8 +7337,109 @@
           <a:lstStyle/>
           <a:p>
             <a:r>
-              <a:rPr lang="cs-CZ" dirty="0" smtClean="0"/>
+              <a:rPr lang="cs-CZ" dirty="0"/>
               <a:t>Obrazovka pro úpravu jednotlivých pacientů</a:t>
+            </a:r>
+            <a:endParaRPr lang="en-US" dirty="0"/>
+          </a:p>
+        </p:txBody>
+      </p:sp>
+    </p:spTree>
+  </p:cSld>
+  <p:clrMapOvr>
+    <a:masterClrMapping/>
+  </p:clrMapOvr>
+</p:sld>
+</file>
+
+<file path=ppt/slides/slide9.xml><?xml version="1.0" encoding="utf-8"?>
+<p:sld xmlns:a="http://schemas.openxmlformats.org/drawingml/2006/main" xmlns:r="http://schemas.openxmlformats.org/officeDocument/2006/relationships" xmlns:p="http://schemas.openxmlformats.org/presentationml/2006/main">
+  <p:cSld>
+    <p:spTree>
+      <p:nvGrpSpPr>
+        <p:cNvPr id="1" name=""/>
+        <p:cNvGrpSpPr/>
+        <p:nvPr/>
+      </p:nvGrpSpPr>
+      <p:grpSpPr>
+        <a:xfrm>
+          <a:off x="0" y="0"/>
+          <a:ext cx="0" cy="0"/>
+          <a:chOff x="0" y="0"/>
+          <a:chExt cx="0" cy="0"/>
+        </a:xfrm>
+      </p:grpSpPr>
+      <p:sp>
+        <p:nvSpPr>
+          <p:cNvPr id="2" name="Nadpis 1"/>
+          <p:cNvSpPr>
+            <a:spLocks noGrp="1"/>
+          </p:cNvSpPr>
+          <p:nvPr>
+            <p:ph type="title"/>
+          </p:nvPr>
+        </p:nvSpPr>
+        <p:spPr/>
+        <p:txBody>
+          <a:bodyPr/>
+          <a:lstStyle/>
+          <a:p>
+            <a:r>
+              <a:rPr lang="cs-CZ" dirty="0"/>
+              <a:t>Snímky z aplikace</a:t>
+            </a:r>
+            <a:endParaRPr lang="en-US" dirty="0"/>
+          </a:p>
+        </p:txBody>
+      </p:sp>
+      <p:pic>
+        <p:nvPicPr>
+          <p:cNvPr id="5" name="Zástupný symbol pro obrázek 4" descr="final_final_db.png"/>
+          <p:cNvPicPr>
+            <a:picLocks noGrp="1" noChangeAspect="1"/>
+          </p:cNvPicPr>
+          <p:nvPr>
+            <p:ph type="pic" idx="1"/>
+          </p:nvPr>
+        </p:nvPicPr>
+        <p:blipFill>
+          <a:blip r:embed="rId2"/>
+          <a:stretch>
+            <a:fillRect/>
+          </a:stretch>
+        </p:blipFill>
+        <p:spPr>
+          <a:xfrm>
+            <a:off x="2242524" y="1003843"/>
+            <a:ext cx="5159099" cy="3526968"/>
+          </a:xfrm>
+          <a:prstGeom prst="rect">
+            <a:avLst/>
+          </a:prstGeom>
+          <a:noFill/>
+          <a:ln>
+            <a:noFill/>
+          </a:ln>
+        </p:spPr>
+      </p:pic>
+      <p:sp>
+        <p:nvSpPr>
+          <p:cNvPr id="4" name="Zástupný symbol pro text 3"/>
+          <p:cNvSpPr>
+            <a:spLocks noGrp="1"/>
+          </p:cNvSpPr>
+          <p:nvPr>
+            <p:ph type="body" sz="half" idx="2"/>
+          </p:nvPr>
+        </p:nvSpPr>
+        <p:spPr/>
+        <p:txBody>
+          <a:bodyPr/>
+          <a:lstStyle/>
+          <a:p>
+            <a:r>
+              <a:rPr lang="cs-CZ" dirty="0"/>
+              <a:t>Rozvržení ER diagramu databáze</a:t>
             </a:r>
             <a:endParaRPr lang="en-US" dirty="0"/>
           </a:p>
@@ -7796,7 +7704,7 @@
   <a:extraClrSchemeLst/>
   <a:extLst>
     <a:ext uri="{05A4C25C-085E-4340-85A3-A5531E510DB2}">
-      <thm15:themeFamily xmlns:thm15="http://schemas.microsoft.com/office/thememl/2012/main" xmlns="" name="Facet" id="{C0C680CD-088A-49FC-A102-D699147F32B2}" vid="{CFBC31BA-B70F-4F30-BCAA-4F3011E16C4D}"/>
+      <thm15:themeFamily xmlns:thm15="http://schemas.microsoft.com/office/thememl/2012/main" name="Facet" id="{C0C680CD-088A-49FC-A102-D699147F32B2}" vid="{CFBC31BA-B70F-4F30-BCAA-4F3011E16C4D}"/>
     </a:ext>
   </a:extLst>
 </a:theme>

--- a/Documents/CoronaTracker.pptx
+++ b/Documents/CoronaTracker.pptx
@@ -6058,11 +6058,29 @@
           <a:p>
             <a:r>
               <a:rPr lang="cs-CZ" dirty="0"/>
-              <a:t>Budete aplikaci nabízet </a:t>
+              <a:t>Budete aplikaci nabízet zdravotnickým zařízením?</a:t>
+            </a:r>
+          </a:p>
+          <a:p>
+            <a:r>
+              <a:rPr lang="cs-CZ" dirty="0"/>
+              <a:t>Domníváte se, že je možné systém využít v praxi? Byla tato možnost prověřována?</a:t>
+            </a:r>
+          </a:p>
+          <a:p>
+            <a:r>
+              <a:rPr lang="cs-CZ" dirty="0"/>
+              <a:t>Jaká je uživatelská náročnost systému?</a:t>
+            </a:r>
+          </a:p>
+          <a:p>
+            <a:r>
+              <a:rPr lang="cs-CZ" dirty="0"/>
+              <a:t>Uvažujete o možnosti </a:t>
             </a:r>
             <a:r>
               <a:rPr lang="cs-CZ"/>
-              <a:t>zdravotnickým zařízením?</a:t>
+              <a:t>rozšíření systému?</a:t>
             </a:r>
             <a:endParaRPr lang="en-US" dirty="0"/>
           </a:p>
